--- a/analyse/Wireframes.pptx
+++ b/analyse/Wireframes.pptx
@@ -295,7 +295,8 @@
           <a:p>
             <a:fld id="{49211E1D-1FB6-46FD-AF96-A4F932C7C19E}" type="datetimeFigureOut">
               <a:rPr lang="fr-FR" smtClean="0"/>
-              <a:t>04/06/2018</a:t>
+              <a:pPr/>
+              <a:t>05/06/2018</a:t>
             </a:fld>
             <a:endParaRPr lang="fr-FR"/>
           </a:p>
@@ -337,6 +338,7 @@
           <a:p>
             <a:fld id="{8E8E9598-5F10-4853-9A0D-6F018B00CC54}" type="slidenum">
               <a:rPr lang="fr-FR" smtClean="0"/>
+              <a:pPr/>
               <a:t>‹Nr.›</a:t>
             </a:fld>
             <a:endParaRPr lang="fr-FR"/>
@@ -460,7 +462,8 @@
           <a:p>
             <a:fld id="{49211E1D-1FB6-46FD-AF96-A4F932C7C19E}" type="datetimeFigureOut">
               <a:rPr lang="fr-FR" smtClean="0"/>
-              <a:t>04/06/2018</a:t>
+              <a:pPr/>
+              <a:t>05/06/2018</a:t>
             </a:fld>
             <a:endParaRPr lang="fr-FR"/>
           </a:p>
@@ -502,6 +505,7 @@
           <a:p>
             <a:fld id="{8E8E9598-5F10-4853-9A0D-6F018B00CC54}" type="slidenum">
               <a:rPr lang="fr-FR" smtClean="0"/>
+              <a:pPr/>
               <a:t>‹Nr.›</a:t>
             </a:fld>
             <a:endParaRPr lang="fr-FR"/>
@@ -635,7 +639,8 @@
           <a:p>
             <a:fld id="{49211E1D-1FB6-46FD-AF96-A4F932C7C19E}" type="datetimeFigureOut">
               <a:rPr lang="fr-FR" smtClean="0"/>
-              <a:t>04/06/2018</a:t>
+              <a:pPr/>
+              <a:t>05/06/2018</a:t>
             </a:fld>
             <a:endParaRPr lang="fr-FR"/>
           </a:p>
@@ -677,6 +682,7 @@
           <a:p>
             <a:fld id="{8E8E9598-5F10-4853-9A0D-6F018B00CC54}" type="slidenum">
               <a:rPr lang="fr-FR" smtClean="0"/>
+              <a:pPr/>
               <a:t>‹Nr.›</a:t>
             </a:fld>
             <a:endParaRPr lang="fr-FR"/>
@@ -800,7 +806,8 @@
           <a:p>
             <a:fld id="{49211E1D-1FB6-46FD-AF96-A4F932C7C19E}" type="datetimeFigureOut">
               <a:rPr lang="fr-FR" smtClean="0"/>
-              <a:t>04/06/2018</a:t>
+              <a:pPr/>
+              <a:t>05/06/2018</a:t>
             </a:fld>
             <a:endParaRPr lang="fr-FR"/>
           </a:p>
@@ -842,6 +849,7 @@
           <a:p>
             <a:fld id="{8E8E9598-5F10-4853-9A0D-6F018B00CC54}" type="slidenum">
               <a:rPr lang="fr-FR" smtClean="0"/>
+              <a:pPr/>
               <a:t>‹Nr.›</a:t>
             </a:fld>
             <a:endParaRPr lang="fr-FR"/>
@@ -1041,7 +1049,8 @@
           <a:p>
             <a:fld id="{49211E1D-1FB6-46FD-AF96-A4F932C7C19E}" type="datetimeFigureOut">
               <a:rPr lang="fr-FR" smtClean="0"/>
-              <a:t>04/06/2018</a:t>
+              <a:pPr/>
+              <a:t>05/06/2018</a:t>
             </a:fld>
             <a:endParaRPr lang="fr-FR"/>
           </a:p>
@@ -1083,6 +1092,7 @@
           <a:p>
             <a:fld id="{8E8E9598-5F10-4853-9A0D-6F018B00CC54}" type="slidenum">
               <a:rPr lang="fr-FR" smtClean="0"/>
+              <a:pPr/>
               <a:t>‹Nr.›</a:t>
             </a:fld>
             <a:endParaRPr lang="fr-FR"/>
@@ -1324,7 +1334,8 @@
           <a:p>
             <a:fld id="{49211E1D-1FB6-46FD-AF96-A4F932C7C19E}" type="datetimeFigureOut">
               <a:rPr lang="fr-FR" smtClean="0"/>
-              <a:t>04/06/2018</a:t>
+              <a:pPr/>
+              <a:t>05/06/2018</a:t>
             </a:fld>
             <a:endParaRPr lang="fr-FR"/>
           </a:p>
@@ -1366,6 +1377,7 @@
           <a:p>
             <a:fld id="{8E8E9598-5F10-4853-9A0D-6F018B00CC54}" type="slidenum">
               <a:rPr lang="fr-FR" smtClean="0"/>
+              <a:pPr/>
               <a:t>‹Nr.›</a:t>
             </a:fld>
             <a:endParaRPr lang="fr-FR"/>
@@ -1741,7 +1753,8 @@
           <a:p>
             <a:fld id="{49211E1D-1FB6-46FD-AF96-A4F932C7C19E}" type="datetimeFigureOut">
               <a:rPr lang="fr-FR" smtClean="0"/>
-              <a:t>04/06/2018</a:t>
+              <a:pPr/>
+              <a:t>05/06/2018</a:t>
             </a:fld>
             <a:endParaRPr lang="fr-FR"/>
           </a:p>
@@ -1783,6 +1796,7 @@
           <a:p>
             <a:fld id="{8E8E9598-5F10-4853-9A0D-6F018B00CC54}" type="slidenum">
               <a:rPr lang="fr-FR" smtClean="0"/>
+              <a:pPr/>
               <a:t>‹Nr.›</a:t>
             </a:fld>
             <a:endParaRPr lang="fr-FR"/>
@@ -1854,7 +1868,8 @@
           <a:p>
             <a:fld id="{49211E1D-1FB6-46FD-AF96-A4F932C7C19E}" type="datetimeFigureOut">
               <a:rPr lang="fr-FR" smtClean="0"/>
-              <a:t>04/06/2018</a:t>
+              <a:pPr/>
+              <a:t>05/06/2018</a:t>
             </a:fld>
             <a:endParaRPr lang="fr-FR"/>
           </a:p>
@@ -1896,6 +1911,7 @@
           <a:p>
             <a:fld id="{8E8E9598-5F10-4853-9A0D-6F018B00CC54}" type="slidenum">
               <a:rPr lang="fr-FR" smtClean="0"/>
+              <a:pPr/>
               <a:t>‹Nr.›</a:t>
             </a:fld>
             <a:endParaRPr lang="fr-FR"/>
@@ -1944,7 +1960,8 @@
           <a:p>
             <a:fld id="{49211E1D-1FB6-46FD-AF96-A4F932C7C19E}" type="datetimeFigureOut">
               <a:rPr lang="fr-FR" smtClean="0"/>
-              <a:t>04/06/2018</a:t>
+              <a:pPr/>
+              <a:t>05/06/2018</a:t>
             </a:fld>
             <a:endParaRPr lang="fr-FR"/>
           </a:p>
@@ -1986,6 +2003,7 @@
           <a:p>
             <a:fld id="{8E8E9598-5F10-4853-9A0D-6F018B00CC54}" type="slidenum">
               <a:rPr lang="fr-FR" smtClean="0"/>
+              <a:pPr/>
               <a:t>‹Nr.›</a:t>
             </a:fld>
             <a:endParaRPr lang="fr-FR"/>
@@ -2216,7 +2234,8 @@
           <a:p>
             <a:fld id="{49211E1D-1FB6-46FD-AF96-A4F932C7C19E}" type="datetimeFigureOut">
               <a:rPr lang="fr-FR" smtClean="0"/>
-              <a:t>04/06/2018</a:t>
+              <a:pPr/>
+              <a:t>05/06/2018</a:t>
             </a:fld>
             <a:endParaRPr lang="fr-FR"/>
           </a:p>
@@ -2258,6 +2277,7 @@
           <a:p>
             <a:fld id="{8E8E9598-5F10-4853-9A0D-6F018B00CC54}" type="slidenum">
               <a:rPr lang="fr-FR" smtClean="0"/>
+              <a:pPr/>
               <a:t>‹Nr.›</a:t>
             </a:fld>
             <a:endParaRPr lang="fr-FR"/>
@@ -2464,7 +2484,8 @@
           <a:p>
             <a:fld id="{49211E1D-1FB6-46FD-AF96-A4F932C7C19E}" type="datetimeFigureOut">
               <a:rPr lang="fr-FR" smtClean="0"/>
-              <a:t>04/06/2018</a:t>
+              <a:pPr/>
+              <a:t>05/06/2018</a:t>
             </a:fld>
             <a:endParaRPr lang="fr-FR"/>
           </a:p>
@@ -2506,6 +2527,7 @@
           <a:p>
             <a:fld id="{8E8E9598-5F10-4853-9A0D-6F018B00CC54}" type="slidenum">
               <a:rPr lang="fr-FR" smtClean="0"/>
+              <a:pPr/>
               <a:t>‹Nr.›</a:t>
             </a:fld>
             <a:endParaRPr lang="fr-FR"/>
@@ -2672,7 +2694,8 @@
           <a:p>
             <a:fld id="{49211E1D-1FB6-46FD-AF96-A4F932C7C19E}" type="datetimeFigureOut">
               <a:rPr lang="fr-FR" smtClean="0"/>
-              <a:t>04/06/2018</a:t>
+              <a:pPr/>
+              <a:t>05/06/2018</a:t>
             </a:fld>
             <a:endParaRPr lang="fr-FR"/>
           </a:p>
@@ -2750,6 +2773,7 @@
           <a:p>
             <a:fld id="{8E8E9598-5F10-4853-9A0D-6F018B00CC54}" type="slidenum">
               <a:rPr lang="fr-FR" smtClean="0"/>
+              <a:pPr/>
               <a:t>‹Nr.›</a:t>
             </a:fld>
             <a:endParaRPr lang="fr-FR"/>
@@ -5035,7 +5059,7 @@
         <p:spPr>
           <a:xfrm>
             <a:off x="107504" y="620688"/>
-            <a:ext cx="8928992" cy="1368152"/>
+            <a:ext cx="8928992" cy="936104"/>
           </a:xfrm>
           <a:prstGeom prst="rect">
             <a:avLst/>
@@ -5153,7 +5177,7 @@
         </p:nvSpPr>
         <p:spPr>
           <a:xfrm>
-            <a:off x="3419872" y="1124744"/>
+            <a:off x="1763688" y="1124744"/>
             <a:ext cx="860557" cy="338554"/>
           </a:xfrm>
           <a:prstGeom prst="rect">
@@ -5183,7 +5207,7 @@
         </p:nvSpPr>
         <p:spPr>
           <a:xfrm>
-            <a:off x="6948264" y="1124744"/>
+            <a:off x="5292080" y="1124744"/>
             <a:ext cx="883575" cy="338554"/>
           </a:xfrm>
           <a:prstGeom prst="rect">
@@ -5213,7 +5237,7 @@
         </p:nvSpPr>
         <p:spPr>
           <a:xfrm>
-            <a:off x="5220072" y="1124744"/>
+            <a:off x="3563888" y="1124744"/>
             <a:ext cx="797526" cy="338554"/>
           </a:xfrm>
           <a:prstGeom prst="rect">
@@ -5286,7 +5310,7 @@
         </p:nvGrpSpPr>
         <p:grpSpPr>
           <a:xfrm>
-            <a:off x="5940152" y="1124744"/>
+            <a:off x="4283968" y="1124744"/>
             <a:ext cx="1008112" cy="288032"/>
             <a:chOff x="4788024" y="1772816"/>
             <a:chExt cx="1008112" cy="288032"/>
@@ -5419,7 +5443,7 @@
         </p:nvSpPr>
         <p:spPr>
           <a:xfrm>
-            <a:off x="4211960" y="1124744"/>
+            <a:off x="2555776" y="1124744"/>
             <a:ext cx="1008112" cy="288032"/>
           </a:xfrm>
           <a:prstGeom prst="rect">
@@ -5462,7 +5486,7 @@
         </p:nvGrpSpPr>
         <p:grpSpPr>
           <a:xfrm>
-            <a:off x="7812360" y="1124744"/>
+            <a:off x="6156176" y="1124744"/>
             <a:ext cx="1008112" cy="288032"/>
             <a:chOff x="4788024" y="1772816"/>
             <a:chExt cx="1008112" cy="288032"/>
@@ -5595,7 +5619,7 @@
         </p:nvSpPr>
         <p:spPr>
           <a:xfrm>
-            <a:off x="107504" y="2376264"/>
+            <a:off x="107504" y="1916832"/>
             <a:ext cx="8928992" cy="3501008"/>
           </a:xfrm>
           <a:prstGeom prst="rect">
@@ -5645,7 +5669,7 @@
         </p:nvSpPr>
         <p:spPr>
           <a:xfrm>
-            <a:off x="107504" y="2016224"/>
+            <a:off x="107504" y="1556792"/>
             <a:ext cx="1656184" cy="369332"/>
           </a:xfrm>
           <a:prstGeom prst="rect">
@@ -5675,7 +5699,7 @@
         </p:nvSpPr>
         <p:spPr>
           <a:xfrm>
-            <a:off x="1187624" y="2448272"/>
+            <a:off x="1187624" y="1988840"/>
             <a:ext cx="7704856" cy="923330"/>
           </a:xfrm>
           <a:prstGeom prst="rect">
@@ -5723,7 +5747,6 @@
               <a:rPr lang="fr-FR" i="1" dirty="0" smtClean="0"/>
               <a:t>XXX-X-XXXX-XXXX-X</a:t>
             </a:r>
-            <a:endParaRPr lang="fr-FR" i="1" dirty="0" smtClean="0"/>
           </a:p>
           <a:p>
             <a:r>
@@ -5743,78 +5766,6 @@
               <a:t>Xxxxx</a:t>
             </a:r>
             <a:endParaRPr lang="fr-FR" dirty="0" smtClean="0"/>
-          </a:p>
-        </p:txBody>
-      </p:sp>
-      <p:sp>
-        <p:nvSpPr>
-          <p:cNvPr id="36" name="Rechteck 35"/>
-          <p:cNvSpPr/>
-          <p:nvPr/>
-        </p:nvSpPr>
-        <p:spPr>
-          <a:xfrm>
-            <a:off x="1763688" y="1124744"/>
-            <a:ext cx="704039" cy="338554"/>
-          </a:xfrm>
-          <a:prstGeom prst="rect">
-            <a:avLst/>
-          </a:prstGeom>
-        </p:spPr>
-        <p:txBody>
-          <a:bodyPr wrap="none">
-            <a:spAutoFit/>
-          </a:bodyPr>
-          <a:lstStyle/>
-          <a:p>
-            <a:r>
-              <a:rPr lang="fr-FR" sz="1600" dirty="0" smtClean="0"/>
-              <a:t>Série :</a:t>
-            </a:r>
-            <a:endParaRPr lang="fr-FR" sz="1600" dirty="0"/>
-          </a:p>
-        </p:txBody>
-      </p:sp>
-      <p:sp>
-        <p:nvSpPr>
-          <p:cNvPr id="37" name="Rechteck 36"/>
-          <p:cNvSpPr/>
-          <p:nvPr/>
-        </p:nvSpPr>
-        <p:spPr>
-          <a:xfrm>
-            <a:off x="2411760" y="1124744"/>
-            <a:ext cx="1008112" cy="288032"/>
-          </a:xfrm>
-          <a:prstGeom prst="rect">
-            <a:avLst/>
-          </a:prstGeom>
-          <a:solidFill>
-            <a:schemeClr val="bg1"/>
-          </a:solidFill>
-        </p:spPr>
-        <p:style>
-          <a:lnRef idx="2">
-            <a:schemeClr val="accent1">
-              <a:shade val="50000"/>
-            </a:schemeClr>
-          </a:lnRef>
-          <a:fillRef idx="1">
-            <a:schemeClr val="accent1"/>
-          </a:fillRef>
-          <a:effectRef idx="0">
-            <a:schemeClr val="accent1"/>
-          </a:effectRef>
-          <a:fontRef idx="minor">
-            <a:schemeClr val="lt1"/>
-          </a:fontRef>
-        </p:style>
-        <p:txBody>
-          <a:bodyPr rtlCol="0" anchor="ctr"/>
-          <a:lstStyle/>
-          <a:p>
-            <a:pPr algn="ctr"/>
-            <a:endParaRPr lang="fr-FR"/>
           </a:p>
         </p:txBody>
       </p:sp>
@@ -5826,7 +5777,7 @@
         </p:nvGrpSpPr>
         <p:grpSpPr>
           <a:xfrm>
-            <a:off x="323528" y="2448272"/>
+            <a:off x="323528" y="1988840"/>
             <a:ext cx="720080" cy="1080120"/>
             <a:chOff x="251520" y="2276872"/>
             <a:chExt cx="1296144" cy="1512168"/>
@@ -5959,7 +5910,7 @@
         </p:nvSpPr>
         <p:spPr>
           <a:xfrm>
-            <a:off x="323528" y="3573016"/>
+            <a:off x="323528" y="3113584"/>
             <a:ext cx="8568952" cy="1600438"/>
           </a:xfrm>
           <a:prstGeom prst="rect">
@@ -6424,8 +6375,8 @@
         </p:nvSpPr>
         <p:spPr>
           <a:xfrm>
-            <a:off x="107504" y="5949280"/>
-            <a:ext cx="8928992" cy="908720"/>
+            <a:off x="107504" y="5517232"/>
+            <a:ext cx="8928992" cy="1340768"/>
           </a:xfrm>
           <a:prstGeom prst="rect">
             <a:avLst/>
@@ -6474,7 +6425,7 @@
         </p:nvSpPr>
         <p:spPr>
           <a:xfrm>
-            <a:off x="251520" y="5904656"/>
+            <a:off x="251520" y="5589240"/>
             <a:ext cx="8640960" cy="369332"/>
           </a:xfrm>
           <a:prstGeom prst="rect">
@@ -6546,7 +6497,7 @@
         </p:nvSpPr>
         <p:spPr>
           <a:xfrm>
-            <a:off x="7380312" y="1556792"/>
+            <a:off x="7380312" y="1124744"/>
             <a:ext cx="1512168" cy="292388"/>
           </a:xfrm>
           <a:prstGeom prst="rect">
@@ -6586,7 +6537,7 @@
         </p:nvSpPr>
         <p:spPr>
           <a:xfrm>
-            <a:off x="395536" y="5229200"/>
+            <a:off x="395536" y="4769768"/>
             <a:ext cx="8424936" cy="646331"/>
           </a:xfrm>
           <a:prstGeom prst="rect">
@@ -6605,13 +6556,38 @@
             </a:r>
             <a:r>
               <a:rPr lang="fr-FR" i="1" dirty="0" smtClean="0"/>
-              <a:t> : 	Biblio 1 : X/Y (nb dispo/Nb total)</a:t>
-            </a:r>
-          </a:p>
-          <a:p>
+              <a:t> : 	Biblio 1 : </a:t>
+            </a:r>
             <a:r>
               <a:rPr lang="fr-FR" i="1" dirty="0" smtClean="0"/>
-              <a:t>		Biblio 2 : X/Y (nb dispo/Nb total)</a:t>
+              <a:t>X </a:t>
+            </a:r>
+            <a:r>
+              <a:rPr lang="fr-FR" i="1" dirty="0" smtClean="0"/>
+              <a:t>(nb </a:t>
+            </a:r>
+            <a:r>
+              <a:rPr lang="fr-FR" i="1" dirty="0" smtClean="0"/>
+              <a:t>dispo)</a:t>
+            </a:r>
+            <a:endParaRPr lang="fr-FR" i="1" dirty="0" smtClean="0"/>
+          </a:p>
+          <a:p>
+            <a:r>
+              <a:rPr lang="fr-FR" i="1" dirty="0" smtClean="0"/>
+              <a:t>		Biblio 2 : </a:t>
+            </a:r>
+            <a:r>
+              <a:rPr lang="fr-FR" i="1" dirty="0" smtClean="0"/>
+              <a:t>X </a:t>
+            </a:r>
+            <a:r>
+              <a:rPr lang="fr-FR" i="1" dirty="0" smtClean="0"/>
+              <a:t>(nb </a:t>
+            </a:r>
+            <a:r>
+              <a:rPr lang="fr-FR" i="1" dirty="0" smtClean="0"/>
+              <a:t>dispo)</a:t>
             </a:r>
             <a:endParaRPr lang="fr-FR" dirty="0"/>
           </a:p>
@@ -7034,7 +7010,6 @@
               <a:rPr lang="fr-FR" i="1" dirty="0" smtClean="0"/>
               <a:t>XXX-X-XXXX-XXXX-X</a:t>
             </a:r>
-            <a:endParaRPr lang="fr-FR" i="1" dirty="0" smtClean="0"/>
           </a:p>
           <a:p>
             <a:r>
@@ -7269,11 +7244,7 @@
             </a:r>
             <a:r>
               <a:rPr lang="fr-FR" b="1" dirty="0" smtClean="0"/>
-              <a:t>- </a:t>
-            </a:r>
-            <a:r>
-              <a:rPr lang="fr-FR" b="1" dirty="0" smtClean="0"/>
-              <a:t>Fin du prêt : XX/XX/XXXX</a:t>
+              <a:t>- Fin du prêt : XX/XX/XXXX</a:t>
             </a:r>
             <a:endParaRPr lang="fr-FR" b="1" dirty="0"/>
           </a:p>
@@ -7385,7 +7356,6 @@
               <a:rPr lang="fr-FR" i="1" dirty="0" smtClean="0"/>
               <a:t>XXX-X-XXXX-XXXX-X</a:t>
             </a:r>
-            <a:endParaRPr lang="fr-FR" i="1" dirty="0" smtClean="0"/>
           </a:p>
           <a:p>
             <a:r>

--- a/analyse/Wireframes.pptx
+++ b/analyse/Wireframes.pptx
@@ -296,9 +296,9 @@
             <a:fld id="{49211E1D-1FB6-46FD-AF96-A4F932C7C19E}" type="datetimeFigureOut">
               <a:rPr lang="fr-FR" smtClean="0"/>
               <a:pPr/>
-              <a:t>05/06/2018</a:t>
+              <a:t>28/06/2018</a:t>
             </a:fld>
-            <a:endParaRPr lang="fr-FR"/>
+            <a:endParaRPr lang="fr-FR" dirty="0"/>
           </a:p>
         </p:txBody>
       </p:sp>
@@ -317,7 +317,7 @@
           <a:bodyPr/>
           <a:lstStyle/>
           <a:p>
-            <a:endParaRPr lang="fr-FR"/>
+            <a:endParaRPr lang="fr-FR" dirty="0"/>
           </a:p>
         </p:txBody>
       </p:sp>
@@ -341,7 +341,7 @@
               <a:pPr/>
               <a:t>‹Nr.›</a:t>
             </a:fld>
-            <a:endParaRPr lang="fr-FR"/>
+            <a:endParaRPr lang="fr-FR" dirty="0"/>
           </a:p>
         </p:txBody>
       </p:sp>
@@ -463,9 +463,9 @@
             <a:fld id="{49211E1D-1FB6-46FD-AF96-A4F932C7C19E}" type="datetimeFigureOut">
               <a:rPr lang="fr-FR" smtClean="0"/>
               <a:pPr/>
-              <a:t>05/06/2018</a:t>
+              <a:t>28/06/2018</a:t>
             </a:fld>
-            <a:endParaRPr lang="fr-FR"/>
+            <a:endParaRPr lang="fr-FR" dirty="0"/>
           </a:p>
         </p:txBody>
       </p:sp>
@@ -484,7 +484,7 @@
           <a:bodyPr/>
           <a:lstStyle/>
           <a:p>
-            <a:endParaRPr lang="fr-FR"/>
+            <a:endParaRPr lang="fr-FR" dirty="0"/>
           </a:p>
         </p:txBody>
       </p:sp>
@@ -508,7 +508,7 @@
               <a:pPr/>
               <a:t>‹Nr.›</a:t>
             </a:fld>
-            <a:endParaRPr lang="fr-FR"/>
+            <a:endParaRPr lang="fr-FR" dirty="0"/>
           </a:p>
         </p:txBody>
       </p:sp>
@@ -640,9 +640,9 @@
             <a:fld id="{49211E1D-1FB6-46FD-AF96-A4F932C7C19E}" type="datetimeFigureOut">
               <a:rPr lang="fr-FR" smtClean="0"/>
               <a:pPr/>
-              <a:t>05/06/2018</a:t>
+              <a:t>28/06/2018</a:t>
             </a:fld>
-            <a:endParaRPr lang="fr-FR"/>
+            <a:endParaRPr lang="fr-FR" dirty="0"/>
           </a:p>
         </p:txBody>
       </p:sp>
@@ -661,7 +661,7 @@
           <a:bodyPr/>
           <a:lstStyle/>
           <a:p>
-            <a:endParaRPr lang="fr-FR"/>
+            <a:endParaRPr lang="fr-FR" dirty="0"/>
           </a:p>
         </p:txBody>
       </p:sp>
@@ -685,7 +685,7 @@
               <a:pPr/>
               <a:t>‹Nr.›</a:t>
             </a:fld>
-            <a:endParaRPr lang="fr-FR"/>
+            <a:endParaRPr lang="fr-FR" dirty="0"/>
           </a:p>
         </p:txBody>
       </p:sp>
@@ -807,9 +807,9 @@
             <a:fld id="{49211E1D-1FB6-46FD-AF96-A4F932C7C19E}" type="datetimeFigureOut">
               <a:rPr lang="fr-FR" smtClean="0"/>
               <a:pPr/>
-              <a:t>05/06/2018</a:t>
+              <a:t>28/06/2018</a:t>
             </a:fld>
-            <a:endParaRPr lang="fr-FR"/>
+            <a:endParaRPr lang="fr-FR" dirty="0"/>
           </a:p>
         </p:txBody>
       </p:sp>
@@ -828,7 +828,7 @@
           <a:bodyPr/>
           <a:lstStyle/>
           <a:p>
-            <a:endParaRPr lang="fr-FR"/>
+            <a:endParaRPr lang="fr-FR" dirty="0"/>
           </a:p>
         </p:txBody>
       </p:sp>
@@ -852,7 +852,7 @@
               <a:pPr/>
               <a:t>‹Nr.›</a:t>
             </a:fld>
-            <a:endParaRPr lang="fr-FR"/>
+            <a:endParaRPr lang="fr-FR" dirty="0"/>
           </a:p>
         </p:txBody>
       </p:sp>
@@ -1050,9 +1050,9 @@
             <a:fld id="{49211E1D-1FB6-46FD-AF96-A4F932C7C19E}" type="datetimeFigureOut">
               <a:rPr lang="fr-FR" smtClean="0"/>
               <a:pPr/>
-              <a:t>05/06/2018</a:t>
+              <a:t>28/06/2018</a:t>
             </a:fld>
-            <a:endParaRPr lang="fr-FR"/>
+            <a:endParaRPr lang="fr-FR" dirty="0"/>
           </a:p>
         </p:txBody>
       </p:sp>
@@ -1071,7 +1071,7 @@
           <a:bodyPr/>
           <a:lstStyle/>
           <a:p>
-            <a:endParaRPr lang="fr-FR"/>
+            <a:endParaRPr lang="fr-FR" dirty="0"/>
           </a:p>
         </p:txBody>
       </p:sp>
@@ -1095,7 +1095,7 @@
               <a:pPr/>
               <a:t>‹Nr.›</a:t>
             </a:fld>
-            <a:endParaRPr lang="fr-FR"/>
+            <a:endParaRPr lang="fr-FR" dirty="0"/>
           </a:p>
         </p:txBody>
       </p:sp>
@@ -1335,9 +1335,9 @@
             <a:fld id="{49211E1D-1FB6-46FD-AF96-A4F932C7C19E}" type="datetimeFigureOut">
               <a:rPr lang="fr-FR" smtClean="0"/>
               <a:pPr/>
-              <a:t>05/06/2018</a:t>
+              <a:t>28/06/2018</a:t>
             </a:fld>
-            <a:endParaRPr lang="fr-FR"/>
+            <a:endParaRPr lang="fr-FR" dirty="0"/>
           </a:p>
         </p:txBody>
       </p:sp>
@@ -1356,7 +1356,7 @@
           <a:bodyPr/>
           <a:lstStyle/>
           <a:p>
-            <a:endParaRPr lang="fr-FR"/>
+            <a:endParaRPr lang="fr-FR" dirty="0"/>
           </a:p>
         </p:txBody>
       </p:sp>
@@ -1380,7 +1380,7 @@
               <a:pPr/>
               <a:t>‹Nr.›</a:t>
             </a:fld>
-            <a:endParaRPr lang="fr-FR"/>
+            <a:endParaRPr lang="fr-FR" dirty="0"/>
           </a:p>
         </p:txBody>
       </p:sp>
@@ -1754,9 +1754,9 @@
             <a:fld id="{49211E1D-1FB6-46FD-AF96-A4F932C7C19E}" type="datetimeFigureOut">
               <a:rPr lang="fr-FR" smtClean="0"/>
               <a:pPr/>
-              <a:t>05/06/2018</a:t>
+              <a:t>28/06/2018</a:t>
             </a:fld>
-            <a:endParaRPr lang="fr-FR"/>
+            <a:endParaRPr lang="fr-FR" dirty="0"/>
           </a:p>
         </p:txBody>
       </p:sp>
@@ -1775,7 +1775,7 @@
           <a:bodyPr/>
           <a:lstStyle/>
           <a:p>
-            <a:endParaRPr lang="fr-FR"/>
+            <a:endParaRPr lang="fr-FR" dirty="0"/>
           </a:p>
         </p:txBody>
       </p:sp>
@@ -1799,7 +1799,7 @@
               <a:pPr/>
               <a:t>‹Nr.›</a:t>
             </a:fld>
-            <a:endParaRPr lang="fr-FR"/>
+            <a:endParaRPr lang="fr-FR" dirty="0"/>
           </a:p>
         </p:txBody>
       </p:sp>
@@ -1869,9 +1869,9 @@
             <a:fld id="{49211E1D-1FB6-46FD-AF96-A4F932C7C19E}" type="datetimeFigureOut">
               <a:rPr lang="fr-FR" smtClean="0"/>
               <a:pPr/>
-              <a:t>05/06/2018</a:t>
+              <a:t>28/06/2018</a:t>
             </a:fld>
-            <a:endParaRPr lang="fr-FR"/>
+            <a:endParaRPr lang="fr-FR" dirty="0"/>
           </a:p>
         </p:txBody>
       </p:sp>
@@ -1890,7 +1890,7 @@
           <a:bodyPr/>
           <a:lstStyle/>
           <a:p>
-            <a:endParaRPr lang="fr-FR"/>
+            <a:endParaRPr lang="fr-FR" dirty="0"/>
           </a:p>
         </p:txBody>
       </p:sp>
@@ -1914,7 +1914,7 @@
               <a:pPr/>
               <a:t>‹Nr.›</a:t>
             </a:fld>
-            <a:endParaRPr lang="fr-FR"/>
+            <a:endParaRPr lang="fr-FR" dirty="0"/>
           </a:p>
         </p:txBody>
       </p:sp>
@@ -1961,9 +1961,9 @@
             <a:fld id="{49211E1D-1FB6-46FD-AF96-A4F932C7C19E}" type="datetimeFigureOut">
               <a:rPr lang="fr-FR" smtClean="0"/>
               <a:pPr/>
-              <a:t>05/06/2018</a:t>
+              <a:t>28/06/2018</a:t>
             </a:fld>
-            <a:endParaRPr lang="fr-FR"/>
+            <a:endParaRPr lang="fr-FR" dirty="0"/>
           </a:p>
         </p:txBody>
       </p:sp>
@@ -1982,7 +1982,7 @@
           <a:bodyPr/>
           <a:lstStyle/>
           <a:p>
-            <a:endParaRPr lang="fr-FR"/>
+            <a:endParaRPr lang="fr-FR" dirty="0"/>
           </a:p>
         </p:txBody>
       </p:sp>
@@ -2006,7 +2006,7 @@
               <a:pPr/>
               <a:t>‹Nr.›</a:t>
             </a:fld>
-            <a:endParaRPr lang="fr-FR"/>
+            <a:endParaRPr lang="fr-FR" dirty="0"/>
           </a:p>
         </p:txBody>
       </p:sp>
@@ -2235,9 +2235,9 @@
             <a:fld id="{49211E1D-1FB6-46FD-AF96-A4F932C7C19E}" type="datetimeFigureOut">
               <a:rPr lang="fr-FR" smtClean="0"/>
               <a:pPr/>
-              <a:t>05/06/2018</a:t>
+              <a:t>28/06/2018</a:t>
             </a:fld>
-            <a:endParaRPr lang="fr-FR"/>
+            <a:endParaRPr lang="fr-FR" dirty="0"/>
           </a:p>
         </p:txBody>
       </p:sp>
@@ -2256,7 +2256,7 @@
           <a:bodyPr/>
           <a:lstStyle/>
           <a:p>
-            <a:endParaRPr lang="fr-FR"/>
+            <a:endParaRPr lang="fr-FR" dirty="0"/>
           </a:p>
         </p:txBody>
       </p:sp>
@@ -2280,7 +2280,7 @@
               <a:pPr/>
               <a:t>‹Nr.›</a:t>
             </a:fld>
-            <a:endParaRPr lang="fr-FR"/>
+            <a:endParaRPr lang="fr-FR" dirty="0"/>
           </a:p>
         </p:txBody>
       </p:sp>
@@ -2398,7 +2398,7 @@
             </a:lvl9pPr>
           </a:lstStyle>
           <a:p>
-            <a:endParaRPr lang="fr-FR"/>
+            <a:endParaRPr lang="fr-FR" dirty="0"/>
           </a:p>
         </p:txBody>
       </p:sp>
@@ -2485,9 +2485,9 @@
             <a:fld id="{49211E1D-1FB6-46FD-AF96-A4F932C7C19E}" type="datetimeFigureOut">
               <a:rPr lang="fr-FR" smtClean="0"/>
               <a:pPr/>
-              <a:t>05/06/2018</a:t>
+              <a:t>28/06/2018</a:t>
             </a:fld>
-            <a:endParaRPr lang="fr-FR"/>
+            <a:endParaRPr lang="fr-FR" dirty="0"/>
           </a:p>
         </p:txBody>
       </p:sp>
@@ -2506,7 +2506,7 @@
           <a:bodyPr/>
           <a:lstStyle/>
           <a:p>
-            <a:endParaRPr lang="fr-FR"/>
+            <a:endParaRPr lang="fr-FR" dirty="0"/>
           </a:p>
         </p:txBody>
       </p:sp>
@@ -2530,7 +2530,7 @@
               <a:pPr/>
               <a:t>‹Nr.›</a:t>
             </a:fld>
-            <a:endParaRPr lang="fr-FR"/>
+            <a:endParaRPr lang="fr-FR" dirty="0"/>
           </a:p>
         </p:txBody>
       </p:sp>
@@ -2695,9 +2695,9 @@
             <a:fld id="{49211E1D-1FB6-46FD-AF96-A4F932C7C19E}" type="datetimeFigureOut">
               <a:rPr lang="fr-FR" smtClean="0"/>
               <a:pPr/>
-              <a:t>05/06/2018</a:t>
+              <a:t>28/06/2018</a:t>
             </a:fld>
-            <a:endParaRPr lang="fr-FR"/>
+            <a:endParaRPr lang="fr-FR" dirty="0"/>
           </a:p>
         </p:txBody>
       </p:sp>
@@ -2734,7 +2734,7 @@
             </a:lvl1pPr>
           </a:lstStyle>
           <a:p>
-            <a:endParaRPr lang="fr-FR"/>
+            <a:endParaRPr lang="fr-FR" dirty="0"/>
           </a:p>
         </p:txBody>
       </p:sp>
@@ -2776,7 +2776,7 @@
               <a:pPr/>
               <a:t>‹Nr.›</a:t>
             </a:fld>
-            <a:endParaRPr lang="fr-FR"/>
+            <a:endParaRPr lang="fr-FR" dirty="0"/>
           </a:p>
         </p:txBody>
       </p:sp>
@@ -3329,15 +3329,7 @@
             <a:pPr algn="ctr"/>
             <a:r>
               <a:rPr lang="fr-FR" sz="2800" b="1" dirty="0" smtClean="0"/>
-              <a:t>Bienvenue sur « Biblio », le site des bibliothèques de «  </a:t>
-            </a:r>
-            <a:r>
-              <a:rPr lang="fr-FR" sz="2800" b="1" dirty="0" err="1" smtClean="0"/>
-              <a:t>Trifouilly</a:t>
-            </a:r>
-            <a:r>
-              <a:rPr lang="fr-FR" sz="2800" b="1" dirty="0" smtClean="0"/>
-              <a:t>-les-oies »</a:t>
+              <a:t>Bienvenue sur « Biblio », le site des bibliothèques de «  Trifouilly-les-oies »</a:t>
             </a:r>
             <a:endParaRPr lang="fr-FR" sz="2800" b="1" dirty="0"/>
           </a:p>
@@ -3522,7 +3514,7 @@
           <a:lstStyle/>
           <a:p>
             <a:pPr algn="ctr"/>
-            <a:endParaRPr lang="fr-FR"/>
+            <a:endParaRPr lang="fr-FR" dirty="0"/>
           </a:p>
         </p:txBody>
       </p:sp>
@@ -3565,7 +3557,7 @@
           <a:lstStyle/>
           <a:p>
             <a:pPr algn="ctr"/>
-            <a:endParaRPr lang="fr-FR"/>
+            <a:endParaRPr lang="fr-FR" dirty="0"/>
           </a:p>
         </p:txBody>
       </p:sp>
@@ -3608,7 +3600,7 @@
           <a:lstStyle/>
           <a:p>
             <a:pPr algn="ctr"/>
-            <a:endParaRPr lang="fr-FR"/>
+            <a:endParaRPr lang="fr-FR" dirty="0"/>
           </a:p>
         </p:txBody>
       </p:sp>
@@ -3651,7 +3643,7 @@
           <a:lstStyle/>
           <a:p>
             <a:pPr algn="ctr"/>
-            <a:endParaRPr lang="fr-FR"/>
+            <a:endParaRPr lang="fr-FR" dirty="0"/>
           </a:p>
         </p:txBody>
       </p:sp>
@@ -3694,7 +3686,7 @@
           <a:lstStyle/>
           <a:p>
             <a:pPr algn="ctr"/>
-            <a:endParaRPr lang="fr-FR"/>
+            <a:endParaRPr lang="fr-FR" dirty="0"/>
           </a:p>
         </p:txBody>
       </p:sp>
@@ -4128,7 +4120,7 @@
           <a:lstStyle/>
           <a:p>
             <a:pPr algn="ctr"/>
-            <a:endParaRPr lang="fr-FR"/>
+            <a:endParaRPr lang="fr-FR" dirty="0"/>
           </a:p>
         </p:txBody>
       </p:sp>
@@ -4171,7 +4163,7 @@
           <a:lstStyle/>
           <a:p>
             <a:pPr algn="ctr"/>
-            <a:endParaRPr lang="fr-FR"/>
+            <a:endParaRPr lang="fr-FR" dirty="0"/>
           </a:p>
         </p:txBody>
       </p:sp>
@@ -5298,7 +5290,7 @@
           <a:lstStyle/>
           <a:p>
             <a:pPr algn="ctr"/>
-            <a:endParaRPr lang="fr-FR"/>
+            <a:endParaRPr lang="fr-FR" dirty="0"/>
           </a:p>
         </p:txBody>
       </p:sp>
@@ -5355,7 +5347,7 @@
             <a:lstStyle/>
             <a:p>
               <a:pPr algn="ctr"/>
-              <a:endParaRPr lang="fr-FR"/>
+              <a:endParaRPr lang="fr-FR" dirty="0"/>
             </a:p>
           </p:txBody>
         </p:sp>
@@ -5474,7 +5466,7 @@
           <a:lstStyle/>
           <a:p>
             <a:pPr algn="ctr"/>
-            <a:endParaRPr lang="fr-FR"/>
+            <a:endParaRPr lang="fr-FR" dirty="0"/>
           </a:p>
         </p:txBody>
       </p:sp>
@@ -5531,7 +5523,7 @@
             <a:lstStyle/>
             <a:p>
               <a:pPr algn="ctr"/>
-              <a:endParaRPr lang="fr-FR"/>
+              <a:endParaRPr lang="fr-FR" dirty="0"/>
             </a:p>
           </p:txBody>
         </p:sp>
@@ -5732,12 +5724,8 @@
               <a:t>Genre : </a:t>
             </a:r>
             <a:r>
-              <a:rPr lang="fr-FR" i="1" dirty="0" err="1" smtClean="0"/>
-              <a:t>Xxxx</a:t>
-            </a:r>
-            <a:r>
               <a:rPr lang="fr-FR" i="1" dirty="0" smtClean="0"/>
-              <a:t>			</a:t>
+              <a:t>Xxxx			</a:t>
             </a:r>
             <a:r>
               <a:rPr lang="fr-FR" dirty="0" smtClean="0"/>
@@ -5759,13 +5747,8 @@
             </a:r>
             <a:r>
               <a:rPr lang="fr-FR" dirty="0" smtClean="0"/>
-              <a:t>Editeur : </a:t>
-            </a:r>
-            <a:r>
-              <a:rPr lang="fr-FR" dirty="0" err="1" smtClean="0"/>
-              <a:t>Xxxxx</a:t>
-            </a:r>
-            <a:endParaRPr lang="fr-FR" dirty="0" smtClean="0"/>
+              <a:t>Editeur : Xxxxx</a:t>
+            </a:r>
           </a:p>
         </p:txBody>
       </p:sp>
@@ -5827,7 +5810,7 @@
             <a:lstStyle/>
             <a:p>
               <a:pPr algn="ctr"/>
-              <a:endParaRPr lang="fr-FR"/>
+              <a:endParaRPr lang="fr-FR" dirty="0"/>
             </a:p>
           </p:txBody>
         </p:sp>
@@ -5933,436 +5916,8 @@
           <a:p>
             <a:pPr algn="just"/>
             <a:r>
-              <a:rPr lang="fr-FR" sz="1600" dirty="0" err="1"/>
-              <a:t>Lorem</a:t>
-            </a:r>
-            <a:r>
               <a:rPr lang="fr-FR" sz="1600" dirty="0"/>
-              <a:t> </a:t>
-            </a:r>
-            <a:r>
-              <a:rPr lang="fr-FR" sz="1600" dirty="0" err="1"/>
-              <a:t>ipsum</a:t>
-            </a:r>
-            <a:r>
-              <a:rPr lang="fr-FR" sz="1600" dirty="0"/>
-              <a:t> </a:t>
-            </a:r>
-            <a:r>
-              <a:rPr lang="fr-FR" sz="1600" dirty="0" err="1"/>
-              <a:t>dolor</a:t>
-            </a:r>
-            <a:r>
-              <a:rPr lang="fr-FR" sz="1600" dirty="0"/>
-              <a:t> </a:t>
-            </a:r>
-            <a:r>
-              <a:rPr lang="fr-FR" sz="1600" dirty="0" err="1"/>
-              <a:t>sit</a:t>
-            </a:r>
-            <a:r>
-              <a:rPr lang="fr-FR" sz="1600" dirty="0"/>
-              <a:t> </a:t>
-            </a:r>
-            <a:r>
-              <a:rPr lang="fr-FR" sz="1600" dirty="0" err="1"/>
-              <a:t>amet</a:t>
-            </a:r>
-            <a:r>
-              <a:rPr lang="fr-FR" sz="1600" dirty="0"/>
-              <a:t>, </a:t>
-            </a:r>
-            <a:r>
-              <a:rPr lang="fr-FR" sz="1600" dirty="0" err="1"/>
-              <a:t>consectetur</a:t>
-            </a:r>
-            <a:r>
-              <a:rPr lang="fr-FR" sz="1600" dirty="0"/>
-              <a:t> </a:t>
-            </a:r>
-            <a:r>
-              <a:rPr lang="fr-FR" sz="1600" dirty="0" err="1"/>
-              <a:t>adipiscing</a:t>
-            </a:r>
-            <a:r>
-              <a:rPr lang="fr-FR" sz="1600" dirty="0"/>
-              <a:t> </a:t>
-            </a:r>
-            <a:r>
-              <a:rPr lang="fr-FR" sz="1600" dirty="0" err="1"/>
-              <a:t>elit</a:t>
-            </a:r>
-            <a:r>
-              <a:rPr lang="fr-FR" sz="1600" dirty="0"/>
-              <a:t>. </a:t>
-            </a:r>
-            <a:r>
-              <a:rPr lang="fr-FR" sz="1600" dirty="0" err="1"/>
-              <a:t>Phasellus</a:t>
-            </a:r>
-            <a:r>
-              <a:rPr lang="fr-FR" sz="1600" dirty="0"/>
-              <a:t> </a:t>
-            </a:r>
-            <a:r>
-              <a:rPr lang="fr-FR" sz="1600" dirty="0" err="1"/>
-              <a:t>tempus</a:t>
-            </a:r>
-            <a:r>
-              <a:rPr lang="fr-FR" sz="1600" dirty="0"/>
-              <a:t> </a:t>
-            </a:r>
-            <a:r>
-              <a:rPr lang="fr-FR" sz="1600" dirty="0" err="1"/>
-              <a:t>congue</a:t>
-            </a:r>
-            <a:r>
-              <a:rPr lang="fr-FR" sz="1600" dirty="0"/>
-              <a:t> mollis. Nunc in </a:t>
-            </a:r>
-            <a:r>
-              <a:rPr lang="fr-FR" sz="1600" dirty="0" err="1"/>
-              <a:t>nulla</a:t>
-            </a:r>
-            <a:r>
-              <a:rPr lang="fr-FR" sz="1600" dirty="0"/>
-              <a:t> </a:t>
-            </a:r>
-            <a:r>
-              <a:rPr lang="fr-FR" sz="1600" dirty="0" err="1"/>
-              <a:t>dictum</a:t>
-            </a:r>
-            <a:r>
-              <a:rPr lang="fr-FR" sz="1600" dirty="0"/>
-              <a:t>, </a:t>
-            </a:r>
-            <a:r>
-              <a:rPr lang="fr-FR" sz="1600" dirty="0" err="1"/>
-              <a:t>lacinia</a:t>
-            </a:r>
-            <a:r>
-              <a:rPr lang="fr-FR" sz="1600" dirty="0"/>
-              <a:t> </a:t>
-            </a:r>
-            <a:r>
-              <a:rPr lang="fr-FR" sz="1600" dirty="0" err="1"/>
-              <a:t>turpis</a:t>
-            </a:r>
-            <a:r>
-              <a:rPr lang="fr-FR" sz="1600" dirty="0"/>
-              <a:t> non, </a:t>
-            </a:r>
-            <a:r>
-              <a:rPr lang="fr-FR" sz="1600" dirty="0" err="1"/>
-              <a:t>dapibus</a:t>
-            </a:r>
-            <a:r>
-              <a:rPr lang="fr-FR" sz="1600" dirty="0"/>
-              <a:t> </a:t>
-            </a:r>
-            <a:r>
-              <a:rPr lang="fr-FR" sz="1600" dirty="0" err="1"/>
-              <a:t>purus</a:t>
-            </a:r>
-            <a:r>
-              <a:rPr lang="fr-FR" sz="1600" dirty="0"/>
-              <a:t>. </a:t>
-            </a:r>
-            <a:r>
-              <a:rPr lang="fr-FR" sz="1600" dirty="0" err="1"/>
-              <a:t>Cras</a:t>
-            </a:r>
-            <a:r>
-              <a:rPr lang="fr-FR" sz="1600" dirty="0"/>
-              <a:t> id </a:t>
-            </a:r>
-            <a:r>
-              <a:rPr lang="fr-FR" sz="1600" dirty="0" err="1"/>
-              <a:t>lacinia</a:t>
-            </a:r>
-            <a:r>
-              <a:rPr lang="fr-FR" sz="1600" dirty="0"/>
-              <a:t> </a:t>
-            </a:r>
-            <a:r>
-              <a:rPr lang="fr-FR" sz="1600" dirty="0" err="1"/>
-              <a:t>odio</a:t>
-            </a:r>
-            <a:r>
-              <a:rPr lang="fr-FR" sz="1600" dirty="0"/>
-              <a:t>, vitae </a:t>
-            </a:r>
-            <a:r>
-              <a:rPr lang="fr-FR" sz="1600" dirty="0" err="1"/>
-              <a:t>aliquet</a:t>
-            </a:r>
-            <a:r>
-              <a:rPr lang="fr-FR" sz="1600" dirty="0"/>
-              <a:t> </a:t>
-            </a:r>
-            <a:r>
-              <a:rPr lang="fr-FR" sz="1600" dirty="0" err="1"/>
-              <a:t>odio</a:t>
-            </a:r>
-            <a:r>
-              <a:rPr lang="fr-FR" sz="1600" dirty="0"/>
-              <a:t>. In </a:t>
-            </a:r>
-            <a:r>
-              <a:rPr lang="fr-FR" sz="1600" dirty="0" err="1"/>
-              <a:t>sit</a:t>
-            </a:r>
-            <a:r>
-              <a:rPr lang="fr-FR" sz="1600" dirty="0"/>
-              <a:t> </a:t>
-            </a:r>
-            <a:r>
-              <a:rPr lang="fr-FR" sz="1600" dirty="0" err="1"/>
-              <a:t>amet</a:t>
-            </a:r>
-            <a:r>
-              <a:rPr lang="fr-FR" sz="1600" dirty="0"/>
-              <a:t> </a:t>
-            </a:r>
-            <a:r>
-              <a:rPr lang="fr-FR" sz="1600" dirty="0" err="1"/>
-              <a:t>ullamcorper</a:t>
-            </a:r>
-            <a:r>
-              <a:rPr lang="fr-FR" sz="1600" dirty="0"/>
-              <a:t> </a:t>
-            </a:r>
-            <a:r>
-              <a:rPr lang="fr-FR" sz="1600" dirty="0" err="1"/>
-              <a:t>odio</a:t>
-            </a:r>
-            <a:r>
-              <a:rPr lang="fr-FR" sz="1600" dirty="0"/>
-              <a:t>, </a:t>
-            </a:r>
-            <a:r>
-              <a:rPr lang="fr-FR" sz="1600" dirty="0" err="1"/>
-              <a:t>at</a:t>
-            </a:r>
-            <a:r>
-              <a:rPr lang="fr-FR" sz="1600" dirty="0"/>
-              <a:t> </a:t>
-            </a:r>
-            <a:r>
-              <a:rPr lang="fr-FR" sz="1600" dirty="0" err="1"/>
-              <a:t>interdum</a:t>
-            </a:r>
-            <a:r>
-              <a:rPr lang="fr-FR" sz="1600" dirty="0"/>
-              <a:t> </a:t>
-            </a:r>
-            <a:r>
-              <a:rPr lang="fr-FR" sz="1600" dirty="0" err="1"/>
-              <a:t>velit</a:t>
-            </a:r>
-            <a:r>
-              <a:rPr lang="fr-FR" sz="1600" dirty="0"/>
-              <a:t>. </a:t>
-            </a:r>
-            <a:r>
-              <a:rPr lang="fr-FR" sz="1600" dirty="0" err="1"/>
-              <a:t>Donec</a:t>
-            </a:r>
-            <a:r>
-              <a:rPr lang="fr-FR" sz="1600" dirty="0"/>
-              <a:t> a libero magna. </a:t>
-            </a:r>
-            <a:r>
-              <a:rPr lang="fr-FR" sz="1600" dirty="0" err="1"/>
-              <a:t>Phasellus</a:t>
-            </a:r>
-            <a:r>
-              <a:rPr lang="fr-FR" sz="1600" dirty="0"/>
-              <a:t> </a:t>
-            </a:r>
-            <a:r>
-              <a:rPr lang="fr-FR" sz="1600" dirty="0" err="1"/>
-              <a:t>dignissim</a:t>
-            </a:r>
-            <a:r>
-              <a:rPr lang="fr-FR" sz="1600" dirty="0"/>
-              <a:t> </a:t>
-            </a:r>
-            <a:r>
-              <a:rPr lang="fr-FR" sz="1600" dirty="0" err="1"/>
-              <a:t>sagittis</a:t>
-            </a:r>
-            <a:r>
-              <a:rPr lang="fr-FR" sz="1600" dirty="0"/>
-              <a:t> </a:t>
-            </a:r>
-            <a:r>
-              <a:rPr lang="fr-FR" sz="1600" dirty="0" err="1"/>
-              <a:t>dui</a:t>
-            </a:r>
-            <a:r>
-              <a:rPr lang="fr-FR" sz="1600" dirty="0"/>
-              <a:t>, vitae </a:t>
-            </a:r>
-            <a:r>
-              <a:rPr lang="fr-FR" sz="1600" dirty="0" err="1"/>
-              <a:t>interdum</a:t>
-            </a:r>
-            <a:r>
-              <a:rPr lang="fr-FR" sz="1600" dirty="0"/>
-              <a:t> erat </a:t>
-            </a:r>
-            <a:r>
-              <a:rPr lang="fr-FR" sz="1600" dirty="0" err="1"/>
-              <a:t>finibus</a:t>
-            </a:r>
-            <a:r>
-              <a:rPr lang="fr-FR" sz="1600" dirty="0"/>
-              <a:t> </a:t>
-            </a:r>
-            <a:r>
-              <a:rPr lang="fr-FR" sz="1600" dirty="0" err="1"/>
-              <a:t>sit</a:t>
-            </a:r>
-            <a:r>
-              <a:rPr lang="fr-FR" sz="1600" dirty="0"/>
-              <a:t> </a:t>
-            </a:r>
-            <a:r>
-              <a:rPr lang="fr-FR" sz="1600" dirty="0" err="1"/>
-              <a:t>amet</a:t>
-            </a:r>
-            <a:r>
-              <a:rPr lang="fr-FR" sz="1600" dirty="0"/>
-              <a:t>. Sed </a:t>
-            </a:r>
-            <a:r>
-              <a:rPr lang="fr-FR" sz="1600" dirty="0" err="1"/>
-              <a:t>vel</a:t>
-            </a:r>
-            <a:r>
-              <a:rPr lang="fr-FR" sz="1600" dirty="0"/>
-              <a:t> </a:t>
-            </a:r>
-            <a:r>
-              <a:rPr lang="fr-FR" sz="1600" dirty="0" err="1"/>
-              <a:t>vehicula</a:t>
-            </a:r>
-            <a:r>
-              <a:rPr lang="fr-FR" sz="1600" dirty="0"/>
-              <a:t> </a:t>
-            </a:r>
-            <a:r>
-              <a:rPr lang="fr-FR" sz="1600" dirty="0" err="1"/>
-              <a:t>lorem</a:t>
-            </a:r>
-            <a:r>
-              <a:rPr lang="fr-FR" sz="1600" dirty="0"/>
-              <a:t>, id </a:t>
-            </a:r>
-            <a:r>
-              <a:rPr lang="fr-FR" sz="1600" dirty="0" err="1"/>
-              <a:t>sodales</a:t>
-            </a:r>
-            <a:r>
-              <a:rPr lang="fr-FR" sz="1600" dirty="0"/>
-              <a:t> ante. </a:t>
-            </a:r>
-            <a:r>
-              <a:rPr lang="fr-FR" sz="1600" dirty="0" err="1"/>
-              <a:t>Praesent</a:t>
-            </a:r>
-            <a:r>
-              <a:rPr lang="fr-FR" sz="1600" dirty="0"/>
-              <a:t> </a:t>
-            </a:r>
-            <a:r>
-              <a:rPr lang="fr-FR" sz="1600" dirty="0" err="1"/>
-              <a:t>faucibus</a:t>
-            </a:r>
-            <a:r>
-              <a:rPr lang="fr-FR" sz="1600" dirty="0"/>
-              <a:t> erat non ante </a:t>
-            </a:r>
-            <a:r>
-              <a:rPr lang="fr-FR" sz="1600" dirty="0" err="1"/>
-              <a:t>pellentesque</a:t>
-            </a:r>
-            <a:r>
-              <a:rPr lang="fr-FR" sz="1600" dirty="0"/>
-              <a:t>, et </a:t>
-            </a:r>
-            <a:r>
-              <a:rPr lang="fr-FR" sz="1600" dirty="0" err="1"/>
-              <a:t>ultrices</a:t>
-            </a:r>
-            <a:r>
-              <a:rPr lang="fr-FR" sz="1600" dirty="0"/>
-              <a:t> </a:t>
-            </a:r>
-            <a:r>
-              <a:rPr lang="fr-FR" sz="1600" dirty="0" err="1"/>
-              <a:t>ligula</a:t>
-            </a:r>
-            <a:r>
-              <a:rPr lang="fr-FR" sz="1600" dirty="0"/>
-              <a:t> </a:t>
-            </a:r>
-            <a:r>
-              <a:rPr lang="fr-FR" sz="1600" dirty="0" err="1"/>
-              <a:t>sagittis</a:t>
-            </a:r>
-            <a:r>
-              <a:rPr lang="fr-FR" sz="1600" dirty="0"/>
-              <a:t>. Ut in </a:t>
-            </a:r>
-            <a:r>
-              <a:rPr lang="fr-FR" sz="1600" dirty="0" err="1"/>
-              <a:t>dolor</a:t>
-            </a:r>
-            <a:r>
-              <a:rPr lang="fr-FR" sz="1600" dirty="0"/>
-              <a:t> vitae </a:t>
-            </a:r>
-            <a:r>
-              <a:rPr lang="fr-FR" sz="1600" dirty="0" err="1"/>
-              <a:t>risus</a:t>
-            </a:r>
-            <a:r>
-              <a:rPr lang="fr-FR" sz="1600" dirty="0"/>
-              <a:t> </a:t>
-            </a:r>
-            <a:r>
-              <a:rPr lang="fr-FR" sz="1600" dirty="0" err="1"/>
-              <a:t>congue</a:t>
-            </a:r>
-            <a:r>
-              <a:rPr lang="fr-FR" sz="1600" dirty="0"/>
-              <a:t> </a:t>
-            </a:r>
-            <a:r>
-              <a:rPr lang="fr-FR" sz="1600" dirty="0" err="1"/>
-              <a:t>aliquet</a:t>
-            </a:r>
-            <a:r>
-              <a:rPr lang="fr-FR" sz="1600" dirty="0"/>
-              <a:t> id </a:t>
-            </a:r>
-            <a:r>
-              <a:rPr lang="fr-FR" sz="1600" dirty="0" err="1"/>
-              <a:t>quis</a:t>
-            </a:r>
-            <a:r>
-              <a:rPr lang="fr-FR" sz="1600" dirty="0"/>
-              <a:t> </a:t>
-            </a:r>
-            <a:r>
-              <a:rPr lang="fr-FR" sz="1600" dirty="0" err="1"/>
-              <a:t>arcu</a:t>
-            </a:r>
-            <a:r>
-              <a:rPr lang="fr-FR" sz="1600" dirty="0"/>
-              <a:t>. </a:t>
+              <a:t>Lorem ipsum dolor sit amet, consectetur adipiscing elit. Phasellus tempus congue mollis. Nunc in nulla dictum, lacinia turpis non, dapibus purus. Cras id lacinia odio, vitae aliquet odio. In sit amet ullamcorper odio, at interdum velit. Donec a libero magna. Phasellus dignissim sagittis dui, vitae interdum erat finibus sit amet. Sed vel vehicula lorem, id sodales ante. Praesent faucibus erat non ante pellentesque, et ultrices ligula sagittis. Ut in dolor vitae risus congue aliquet id quis arcu. </a:t>
             </a:r>
           </a:p>
         </p:txBody>
@@ -6556,38 +6111,13 @@
             </a:r>
             <a:r>
               <a:rPr lang="fr-FR" i="1" dirty="0" smtClean="0"/>
-              <a:t> : 	Biblio 1 : </a:t>
-            </a:r>
+              <a:t> : 	Biblio 1 : X (nb dispo)</a:t>
+            </a:r>
+          </a:p>
+          <a:p>
             <a:r>
               <a:rPr lang="fr-FR" i="1" dirty="0" smtClean="0"/>
-              <a:t>X </a:t>
-            </a:r>
-            <a:r>
-              <a:rPr lang="fr-FR" i="1" dirty="0" smtClean="0"/>
-              <a:t>(nb </a:t>
-            </a:r>
-            <a:r>
-              <a:rPr lang="fr-FR" i="1" dirty="0" smtClean="0"/>
-              <a:t>dispo)</a:t>
-            </a:r>
-            <a:endParaRPr lang="fr-FR" i="1" dirty="0" smtClean="0"/>
-          </a:p>
-          <a:p>
-            <a:r>
-              <a:rPr lang="fr-FR" i="1" dirty="0" smtClean="0"/>
-              <a:t>		Biblio 2 : </a:t>
-            </a:r>
-            <a:r>
-              <a:rPr lang="fr-FR" i="1" dirty="0" smtClean="0"/>
-              <a:t>X </a:t>
-            </a:r>
-            <a:r>
-              <a:rPr lang="fr-FR" i="1" dirty="0" smtClean="0"/>
-              <a:t>(nb </a:t>
-            </a:r>
-            <a:r>
-              <a:rPr lang="fr-FR" i="1" dirty="0" smtClean="0"/>
-              <a:t>dispo)</a:t>
+              <a:t>		Biblio 2 : X (nb dispo)</a:t>
             </a:r>
             <a:endParaRPr lang="fr-FR" dirty="0"/>
           </a:p>
@@ -6995,12 +6525,8 @@
               <a:t>Genre : </a:t>
             </a:r>
             <a:r>
-              <a:rPr lang="fr-FR" i="1" dirty="0" err="1" smtClean="0"/>
-              <a:t>Xxxx</a:t>
-            </a:r>
-            <a:r>
               <a:rPr lang="fr-FR" i="1" dirty="0" smtClean="0"/>
-              <a:t>			</a:t>
+              <a:t>Xxxx			</a:t>
             </a:r>
             <a:r>
               <a:rPr lang="fr-FR" dirty="0" smtClean="0"/>
@@ -7022,13 +6548,8 @@
             </a:r>
             <a:r>
               <a:rPr lang="fr-FR" dirty="0" smtClean="0"/>
-              <a:t>Editeur : </a:t>
-            </a:r>
-            <a:r>
-              <a:rPr lang="fr-FR" dirty="0" err="1" smtClean="0"/>
-              <a:t>Xxxxx</a:t>
-            </a:r>
-            <a:endParaRPr lang="fr-FR" dirty="0" smtClean="0"/>
+              <a:t>Editeur : Xxxxx</a:t>
+            </a:r>
           </a:p>
         </p:txBody>
       </p:sp>
@@ -7090,7 +6611,7 @@
             <a:lstStyle/>
             <a:p>
               <a:pPr algn="ctr"/>
-              <a:endParaRPr lang="fr-FR"/>
+              <a:endParaRPr lang="fr-FR" dirty="0"/>
             </a:p>
           </p:txBody>
         </p:sp>
@@ -7341,12 +6862,8 @@
               <a:t>Genre : </a:t>
             </a:r>
             <a:r>
-              <a:rPr lang="fr-FR" i="1" dirty="0" err="1" smtClean="0"/>
-              <a:t>Xxxx</a:t>
-            </a:r>
-            <a:r>
               <a:rPr lang="fr-FR" i="1" dirty="0" smtClean="0"/>
-              <a:t>			</a:t>
+              <a:t>Xxxx			</a:t>
             </a:r>
             <a:r>
               <a:rPr lang="fr-FR" dirty="0" smtClean="0"/>
@@ -7368,13 +6885,8 @@
             </a:r>
             <a:r>
               <a:rPr lang="fr-FR" dirty="0" smtClean="0"/>
-              <a:t>Editeur : </a:t>
-            </a:r>
-            <a:r>
-              <a:rPr lang="fr-FR" dirty="0" err="1" smtClean="0"/>
-              <a:t>Xxxxx</a:t>
-            </a:r>
-            <a:endParaRPr lang="fr-FR" dirty="0" smtClean="0"/>
+              <a:t>Editeur : Xxxxx</a:t>
+            </a:r>
           </a:p>
         </p:txBody>
       </p:sp>
@@ -7436,7 +6948,7 @@
             <a:lstStyle/>
             <a:p>
               <a:pPr algn="ctr"/>
-              <a:endParaRPr lang="fr-FR"/>
+              <a:endParaRPr lang="fr-FR" dirty="0"/>
             </a:p>
           </p:txBody>
         </p:sp>
@@ -8240,7 +7752,7 @@
           <a:lstStyle/>
           <a:p>
             <a:pPr algn="ctr"/>
-            <a:endParaRPr lang="fr-FR"/>
+            <a:endParaRPr lang="fr-FR" dirty="0"/>
           </a:p>
         </p:txBody>
       </p:sp>
@@ -8283,7 +7795,7 @@
           <a:lstStyle/>
           <a:p>
             <a:pPr algn="ctr"/>
-            <a:endParaRPr lang="fr-FR"/>
+            <a:endParaRPr lang="fr-FR" dirty="0"/>
           </a:p>
         </p:txBody>
       </p:sp>
@@ -8326,7 +7838,7 @@
           <a:lstStyle/>
           <a:p>
             <a:pPr algn="ctr"/>
-            <a:endParaRPr lang="fr-FR"/>
+            <a:endParaRPr lang="fr-FR" dirty="0"/>
           </a:p>
         </p:txBody>
       </p:sp>
@@ -8369,7 +7881,7 @@
           <a:lstStyle/>
           <a:p>
             <a:pPr algn="ctr"/>
-            <a:endParaRPr lang="fr-FR"/>
+            <a:endParaRPr lang="fr-FR" dirty="0"/>
           </a:p>
         </p:txBody>
       </p:sp>
@@ -8412,7 +7924,7 @@
           <a:lstStyle/>
           <a:p>
             <a:pPr algn="ctr"/>
-            <a:endParaRPr lang="fr-FR"/>
+            <a:endParaRPr lang="fr-FR" dirty="0"/>
           </a:p>
         </p:txBody>
       </p:sp>

--- a/analyse/Wireframes.pptx
+++ b/analyse/Wireframes.pptx
@@ -296,7 +296,7 @@
             <a:fld id="{49211E1D-1FB6-46FD-AF96-A4F932C7C19E}" type="datetimeFigureOut">
               <a:rPr lang="fr-FR" smtClean="0"/>
               <a:pPr/>
-              <a:t>28/06/2018</a:t>
+              <a:t>24/09/2018</a:t>
             </a:fld>
             <a:endParaRPr lang="fr-FR" dirty="0"/>
           </a:p>
@@ -463,7 +463,7 @@
             <a:fld id="{49211E1D-1FB6-46FD-AF96-A4F932C7C19E}" type="datetimeFigureOut">
               <a:rPr lang="fr-FR" smtClean="0"/>
               <a:pPr/>
-              <a:t>28/06/2018</a:t>
+              <a:t>24/09/2018</a:t>
             </a:fld>
             <a:endParaRPr lang="fr-FR" dirty="0"/>
           </a:p>
@@ -640,7 +640,7 @@
             <a:fld id="{49211E1D-1FB6-46FD-AF96-A4F932C7C19E}" type="datetimeFigureOut">
               <a:rPr lang="fr-FR" smtClean="0"/>
               <a:pPr/>
-              <a:t>28/06/2018</a:t>
+              <a:t>24/09/2018</a:t>
             </a:fld>
             <a:endParaRPr lang="fr-FR" dirty="0"/>
           </a:p>
@@ -807,7 +807,7 @@
             <a:fld id="{49211E1D-1FB6-46FD-AF96-A4F932C7C19E}" type="datetimeFigureOut">
               <a:rPr lang="fr-FR" smtClean="0"/>
               <a:pPr/>
-              <a:t>28/06/2018</a:t>
+              <a:t>24/09/2018</a:t>
             </a:fld>
             <a:endParaRPr lang="fr-FR" dirty="0"/>
           </a:p>
@@ -1050,7 +1050,7 @@
             <a:fld id="{49211E1D-1FB6-46FD-AF96-A4F932C7C19E}" type="datetimeFigureOut">
               <a:rPr lang="fr-FR" smtClean="0"/>
               <a:pPr/>
-              <a:t>28/06/2018</a:t>
+              <a:t>24/09/2018</a:t>
             </a:fld>
             <a:endParaRPr lang="fr-FR" dirty="0"/>
           </a:p>
@@ -1335,7 +1335,7 @@
             <a:fld id="{49211E1D-1FB6-46FD-AF96-A4F932C7C19E}" type="datetimeFigureOut">
               <a:rPr lang="fr-FR" smtClean="0"/>
               <a:pPr/>
-              <a:t>28/06/2018</a:t>
+              <a:t>24/09/2018</a:t>
             </a:fld>
             <a:endParaRPr lang="fr-FR" dirty="0"/>
           </a:p>
@@ -1754,7 +1754,7 @@
             <a:fld id="{49211E1D-1FB6-46FD-AF96-A4F932C7C19E}" type="datetimeFigureOut">
               <a:rPr lang="fr-FR" smtClean="0"/>
               <a:pPr/>
-              <a:t>28/06/2018</a:t>
+              <a:t>24/09/2018</a:t>
             </a:fld>
             <a:endParaRPr lang="fr-FR" dirty="0"/>
           </a:p>
@@ -1869,7 +1869,7 @@
             <a:fld id="{49211E1D-1FB6-46FD-AF96-A4F932C7C19E}" type="datetimeFigureOut">
               <a:rPr lang="fr-FR" smtClean="0"/>
               <a:pPr/>
-              <a:t>28/06/2018</a:t>
+              <a:t>24/09/2018</a:t>
             </a:fld>
             <a:endParaRPr lang="fr-FR" dirty="0"/>
           </a:p>
@@ -1961,7 +1961,7 @@
             <a:fld id="{49211E1D-1FB6-46FD-AF96-A4F932C7C19E}" type="datetimeFigureOut">
               <a:rPr lang="fr-FR" smtClean="0"/>
               <a:pPr/>
-              <a:t>28/06/2018</a:t>
+              <a:t>24/09/2018</a:t>
             </a:fld>
             <a:endParaRPr lang="fr-FR" dirty="0"/>
           </a:p>
@@ -2235,7 +2235,7 @@
             <a:fld id="{49211E1D-1FB6-46FD-AF96-A4F932C7C19E}" type="datetimeFigureOut">
               <a:rPr lang="fr-FR" smtClean="0"/>
               <a:pPr/>
-              <a:t>28/06/2018</a:t>
+              <a:t>24/09/2018</a:t>
             </a:fld>
             <a:endParaRPr lang="fr-FR" dirty="0"/>
           </a:p>
@@ -2485,7 +2485,7 @@
             <a:fld id="{49211E1D-1FB6-46FD-AF96-A4F932C7C19E}" type="datetimeFigureOut">
               <a:rPr lang="fr-FR" smtClean="0"/>
               <a:pPr/>
-              <a:t>28/06/2018</a:t>
+              <a:t>24/09/2018</a:t>
             </a:fld>
             <a:endParaRPr lang="fr-FR" dirty="0"/>
           </a:p>
@@ -2695,7 +2695,7 @@
             <a:fld id="{49211E1D-1FB6-46FD-AF96-A4F932C7C19E}" type="datetimeFigureOut">
               <a:rPr lang="fr-FR" smtClean="0"/>
               <a:pPr/>
-              <a:t>28/06/2018</a:t>
+              <a:t>24/09/2018</a:t>
             </a:fld>
             <a:endParaRPr lang="fr-FR" dirty="0"/>
           </a:p>
@@ -6111,15 +6111,85 @@
             </a:r>
             <a:r>
               <a:rPr lang="fr-FR" i="1" dirty="0" smtClean="0"/>
-              <a:t> : 	Biblio 1 : X (nb dispo)</a:t>
-            </a:r>
-          </a:p>
-          <a:p>
+              <a:t> : </a:t>
+            </a:r>
             <a:r>
               <a:rPr lang="fr-FR" i="1" dirty="0" smtClean="0"/>
-              <a:t>		Biblio 2 : X (nb dispo)</a:t>
+              <a:t>  Biblio </a:t>
+            </a:r>
+            <a:r>
+              <a:rPr lang="fr-FR" i="1" dirty="0" smtClean="0"/>
+              <a:t>1 : 0   </a:t>
+            </a:r>
+            <a:r>
+              <a:rPr lang="fr-FR" sz="1100" i="1" dirty="0" smtClean="0">
+                <a:solidFill>
+                  <a:srgbClr val="0070C0"/>
+                </a:solidFill>
+              </a:rPr>
+              <a:t>Prochaine date de retour : XX/XX/XXXX   XX Personnes sur liste d’attente</a:t>
+            </a:r>
+            <a:endParaRPr lang="fr-FR" i="1" dirty="0" smtClean="0">
+              <a:solidFill>
+                <a:srgbClr val="0070C0"/>
+              </a:solidFill>
+            </a:endParaRPr>
+          </a:p>
+          <a:p>
+            <a:r>
+              <a:rPr lang="fr-FR" i="1" dirty="0" smtClean="0"/>
+              <a:t>	</a:t>
+            </a:r>
+            <a:r>
+              <a:rPr lang="fr-FR" i="1" dirty="0" smtClean="0"/>
+              <a:t>          Biblio </a:t>
+            </a:r>
+            <a:r>
+              <a:rPr lang="fr-FR" i="1" dirty="0" smtClean="0"/>
+              <a:t>2 : X</a:t>
             </a:r>
             <a:endParaRPr lang="fr-FR" dirty="0"/>
+          </a:p>
+        </p:txBody>
+      </p:sp>
+      <p:sp>
+        <p:nvSpPr>
+          <p:cNvPr id="37" name="Textfeld 36"/>
+          <p:cNvSpPr txBox="1"/>
+          <p:nvPr/>
+        </p:nvSpPr>
+        <p:spPr>
+          <a:xfrm>
+            <a:off x="7380312" y="4797152"/>
+            <a:ext cx="1296144" cy="292388"/>
+          </a:xfrm>
+          <a:prstGeom prst="rect">
+            <a:avLst/>
+          </a:prstGeom>
+          <a:solidFill>
+            <a:schemeClr val="tx2">
+              <a:lumMod val="60000"/>
+              <a:lumOff val="40000"/>
+            </a:schemeClr>
+          </a:solidFill>
+          <a:ln w="19050">
+            <a:solidFill>
+              <a:schemeClr val="tx1"/>
+            </a:solidFill>
+          </a:ln>
+        </p:spPr>
+        <p:txBody>
+          <a:bodyPr wrap="square" rtlCol="0">
+            <a:spAutoFit/>
+          </a:bodyPr>
+          <a:lstStyle/>
+          <a:p>
+            <a:pPr algn="ctr"/>
+            <a:r>
+              <a:rPr lang="fr-FR" sz="1300" b="1" dirty="0" smtClean="0"/>
+              <a:t>Réserver</a:t>
+            </a:r>
+            <a:endParaRPr lang="fr-FR" sz="1300" b="1" dirty="0"/>
           </a:p>
         </p:txBody>
       </p:sp>
@@ -6156,8 +6226,8 @@
         </p:nvSpPr>
         <p:spPr>
           <a:xfrm>
-            <a:off x="107504" y="620688"/>
-            <a:ext cx="8928992" cy="2016224"/>
+            <a:off x="107504" y="908720"/>
+            <a:ext cx="8928992" cy="1728192"/>
           </a:xfrm>
           <a:prstGeom prst="rect">
             <a:avLst/>
@@ -6429,12 +6499,8 @@
           <a:p>
             <a:pPr algn="ctr"/>
             <a:r>
-              <a:rPr lang="fr-FR" sz="1300" b="1" dirty="0"/>
-              <a:t>P</a:t>
-            </a:r>
-            <a:r>
               <a:rPr lang="fr-FR" sz="1300" b="1" dirty="0" smtClean="0"/>
-              <a:t>rêts </a:t>
+              <a:t>Prêts </a:t>
             </a:r>
             <a:r>
               <a:rPr lang="fr-FR" sz="1300" b="1" dirty="0"/>
@@ -6492,7 +6558,7 @@
         </p:nvSpPr>
         <p:spPr>
           <a:xfrm>
-            <a:off x="1187624" y="692696"/>
+            <a:off x="1187624" y="980728"/>
             <a:ext cx="7704856" cy="923330"/>
           </a:xfrm>
           <a:prstGeom prst="rect">
@@ -6561,7 +6627,7 @@
         </p:nvGrpSpPr>
         <p:grpSpPr>
           <a:xfrm>
-            <a:off x="323528" y="692696"/>
+            <a:off x="323528" y="980728"/>
             <a:ext cx="720080" cy="1080120"/>
             <a:chOff x="251520" y="2276872"/>
             <a:chExt cx="1296144" cy="1512168"/>
@@ -6779,8 +6845,8 @@
         </p:nvSpPr>
         <p:spPr>
           <a:xfrm>
-            <a:off x="107504" y="2780928"/>
-            <a:ext cx="8928992" cy="2016224"/>
+            <a:off x="107504" y="2708920"/>
+            <a:ext cx="8928992" cy="1728192"/>
           </a:xfrm>
           <a:prstGeom prst="rect">
             <a:avLst/>
@@ -6829,7 +6895,7 @@
         </p:nvSpPr>
         <p:spPr>
           <a:xfrm>
-            <a:off x="1187624" y="2852936"/>
+            <a:off x="1187624" y="2780928"/>
             <a:ext cx="7704856" cy="923330"/>
           </a:xfrm>
           <a:prstGeom prst="rect">
@@ -6898,7 +6964,7 @@
         </p:nvGrpSpPr>
         <p:grpSpPr>
           <a:xfrm>
-            <a:off x="323528" y="2852936"/>
+            <a:off x="323528" y="2780928"/>
             <a:ext cx="720080" cy="1080120"/>
             <a:chOff x="251520" y="2276872"/>
             <a:chExt cx="1296144" cy="1512168"/>
@@ -7031,7 +7097,7 @@
         </p:nvSpPr>
         <p:spPr>
           <a:xfrm>
-            <a:off x="5868144" y="4221088"/>
+            <a:off x="5868144" y="3861048"/>
             <a:ext cx="2952328" cy="492443"/>
           </a:xfrm>
           <a:prstGeom prst="rect">
@@ -7071,7 +7137,7 @@
         </p:nvSpPr>
         <p:spPr>
           <a:xfrm>
-            <a:off x="251520" y="4293096"/>
+            <a:off x="251520" y="3933056"/>
             <a:ext cx="6264696" cy="369332"/>
           </a:xfrm>
           <a:prstGeom prst="rect">
@@ -7089,6 +7155,409 @@
               <a:t>Début du prêt : XX/XX/XXXX - Fin du prêt : XX/XX/XXXX</a:t>
             </a:r>
             <a:endParaRPr lang="fr-FR" b="1" dirty="0"/>
+          </a:p>
+        </p:txBody>
+      </p:sp>
+      <p:sp>
+        <p:nvSpPr>
+          <p:cNvPr id="36" name="Textfeld 35"/>
+          <p:cNvSpPr txBox="1"/>
+          <p:nvPr/>
+        </p:nvSpPr>
+        <p:spPr>
+          <a:xfrm>
+            <a:off x="107504" y="548680"/>
+            <a:ext cx="1656184" cy="369332"/>
+          </a:xfrm>
+          <a:prstGeom prst="rect">
+            <a:avLst/>
+          </a:prstGeom>
+          <a:noFill/>
+        </p:spPr>
+        <p:txBody>
+          <a:bodyPr wrap="square" rtlCol="0">
+            <a:spAutoFit/>
+          </a:bodyPr>
+          <a:lstStyle/>
+          <a:p>
+            <a:r>
+              <a:rPr lang="fr-FR" b="1" dirty="0" smtClean="0"/>
+              <a:t>Prêt en cours :</a:t>
+            </a:r>
+            <a:endParaRPr lang="fr-FR" b="1" dirty="0"/>
+          </a:p>
+        </p:txBody>
+      </p:sp>
+      <p:sp>
+        <p:nvSpPr>
+          <p:cNvPr id="37" name="Textfeld 36"/>
+          <p:cNvSpPr txBox="1"/>
+          <p:nvPr/>
+        </p:nvSpPr>
+        <p:spPr>
+          <a:xfrm>
+            <a:off x="107504" y="4437112"/>
+            <a:ext cx="2376264" cy="369332"/>
+          </a:xfrm>
+          <a:prstGeom prst="rect">
+            <a:avLst/>
+          </a:prstGeom>
+          <a:noFill/>
+        </p:spPr>
+        <p:txBody>
+          <a:bodyPr wrap="square" rtlCol="0">
+            <a:spAutoFit/>
+          </a:bodyPr>
+          <a:lstStyle/>
+          <a:p>
+            <a:r>
+              <a:rPr lang="fr-FR" b="1" dirty="0" smtClean="0">
+                <a:solidFill>
+                  <a:srgbClr val="0070C0"/>
+                </a:solidFill>
+              </a:rPr>
+              <a:t>Sur liste d’attente :</a:t>
+            </a:r>
+            <a:endParaRPr lang="fr-FR" b="1" dirty="0">
+              <a:solidFill>
+                <a:srgbClr val="0070C0"/>
+              </a:solidFill>
+            </a:endParaRPr>
+          </a:p>
+        </p:txBody>
+      </p:sp>
+      <p:sp>
+        <p:nvSpPr>
+          <p:cNvPr id="38" name="Rechteck 37"/>
+          <p:cNvSpPr/>
+          <p:nvPr/>
+        </p:nvSpPr>
+        <p:spPr>
+          <a:xfrm>
+            <a:off x="107504" y="4797152"/>
+            <a:ext cx="8928992" cy="2016224"/>
+          </a:xfrm>
+          <a:prstGeom prst="rect">
+            <a:avLst/>
+          </a:prstGeom>
+          <a:solidFill>
+            <a:schemeClr val="bg1">
+              <a:lumMod val="75000"/>
+            </a:schemeClr>
+          </a:solidFill>
+          <a:ln w="19050">
+            <a:solidFill>
+              <a:schemeClr val="tx1"/>
+            </a:solidFill>
+          </a:ln>
+        </p:spPr>
+        <p:style>
+          <a:lnRef idx="2">
+            <a:schemeClr val="accent1">
+              <a:shade val="50000"/>
+            </a:schemeClr>
+          </a:lnRef>
+          <a:fillRef idx="1">
+            <a:schemeClr val="accent1"/>
+          </a:fillRef>
+          <a:effectRef idx="0">
+            <a:schemeClr val="accent1"/>
+          </a:effectRef>
+          <a:fontRef idx="minor">
+            <a:schemeClr val="lt1"/>
+          </a:fontRef>
+        </p:style>
+        <p:txBody>
+          <a:bodyPr rtlCol="0" anchor="ctr"/>
+          <a:lstStyle/>
+          <a:p>
+            <a:pPr algn="ctr"/>
+            <a:endParaRPr lang="fr-FR" dirty="0"/>
+          </a:p>
+        </p:txBody>
+      </p:sp>
+      <p:sp>
+        <p:nvSpPr>
+          <p:cNvPr id="39" name="Textfeld 38"/>
+          <p:cNvSpPr txBox="1"/>
+          <p:nvPr/>
+        </p:nvSpPr>
+        <p:spPr>
+          <a:xfrm>
+            <a:off x="1187624" y="4869160"/>
+            <a:ext cx="7704856" cy="923330"/>
+          </a:xfrm>
+          <a:prstGeom prst="rect">
+            <a:avLst/>
+          </a:prstGeom>
+          <a:noFill/>
+        </p:spPr>
+        <p:txBody>
+          <a:bodyPr wrap="square" rtlCol="0">
+            <a:spAutoFit/>
+          </a:bodyPr>
+          <a:lstStyle/>
+          <a:p>
+            <a:r>
+              <a:rPr lang="fr-FR" i="1" dirty="0" smtClean="0"/>
+              <a:t>Titre				</a:t>
+            </a:r>
+            <a:r>
+              <a:rPr lang="fr-FR" dirty="0" smtClean="0"/>
+              <a:t>par  </a:t>
+            </a:r>
+            <a:r>
+              <a:rPr lang="fr-FR" i="1" dirty="0" smtClean="0"/>
+              <a:t>Auteur</a:t>
+            </a:r>
+          </a:p>
+          <a:p>
+            <a:r>
+              <a:rPr lang="fr-FR" dirty="0" smtClean="0"/>
+              <a:t>Genre : </a:t>
+            </a:r>
+            <a:r>
+              <a:rPr lang="fr-FR" i="1" dirty="0" smtClean="0"/>
+              <a:t>Xxxx			</a:t>
+            </a:r>
+            <a:r>
+              <a:rPr lang="fr-FR" dirty="0" smtClean="0"/>
+              <a:t>ISBN : </a:t>
+            </a:r>
+            <a:r>
+              <a:rPr lang="fr-FR" i="1" dirty="0" smtClean="0"/>
+              <a:t>XXX-X-XXXX-XXXX-X</a:t>
+            </a:r>
+          </a:p>
+          <a:p>
+            <a:r>
+              <a:rPr lang="fr-FR" dirty="0" smtClean="0"/>
+              <a:t>Date de publication : </a:t>
+            </a:r>
+            <a:r>
+              <a:rPr lang="fr-FR" i="1" dirty="0" smtClean="0"/>
+              <a:t>XX/XX/XXXX	</a:t>
+            </a:r>
+            <a:r>
+              <a:rPr lang="fr-FR" dirty="0" smtClean="0"/>
+              <a:t>Editeur : Xxxxx</a:t>
+            </a:r>
+          </a:p>
+        </p:txBody>
+      </p:sp>
+      <p:grpSp>
+        <p:nvGrpSpPr>
+          <p:cNvPr id="40" name="Gruppieren 39"/>
+          <p:cNvGrpSpPr/>
+          <p:nvPr/>
+        </p:nvGrpSpPr>
+        <p:grpSpPr>
+          <a:xfrm>
+            <a:off x="323528" y="4869160"/>
+            <a:ext cx="720080" cy="1080120"/>
+            <a:chOff x="251520" y="2276872"/>
+            <a:chExt cx="1296144" cy="1512168"/>
+          </a:xfrm>
+        </p:grpSpPr>
+        <p:sp>
+          <p:nvSpPr>
+            <p:cNvPr id="41" name="Rechteck 40"/>
+            <p:cNvSpPr/>
+            <p:nvPr/>
+          </p:nvSpPr>
+          <p:spPr>
+            <a:xfrm>
+              <a:off x="251520" y="2276872"/>
+              <a:ext cx="1296144" cy="1512168"/>
+            </a:xfrm>
+            <a:prstGeom prst="rect">
+              <a:avLst/>
+            </a:prstGeom>
+            <a:solidFill>
+              <a:schemeClr val="bg1"/>
+            </a:solidFill>
+            <a:ln w="19050">
+              <a:solidFill>
+                <a:schemeClr val="tx1"/>
+              </a:solidFill>
+            </a:ln>
+          </p:spPr>
+          <p:style>
+            <a:lnRef idx="2">
+              <a:schemeClr val="accent1">
+                <a:shade val="50000"/>
+              </a:schemeClr>
+            </a:lnRef>
+            <a:fillRef idx="1">
+              <a:schemeClr val="accent1"/>
+            </a:fillRef>
+            <a:effectRef idx="0">
+              <a:schemeClr val="accent1"/>
+            </a:effectRef>
+            <a:fontRef idx="minor">
+              <a:schemeClr val="lt1"/>
+            </a:fontRef>
+          </p:style>
+          <p:txBody>
+            <a:bodyPr rtlCol="0" anchor="ctr"/>
+            <a:lstStyle/>
+            <a:p>
+              <a:pPr algn="ctr"/>
+              <a:endParaRPr lang="fr-FR" dirty="0"/>
+            </a:p>
+          </p:txBody>
+        </p:sp>
+        <p:cxnSp>
+          <p:nvCxnSpPr>
+            <p:cNvPr id="42" name="Gerade Verbindung 41"/>
+            <p:cNvCxnSpPr/>
+            <p:nvPr/>
+          </p:nvCxnSpPr>
+          <p:spPr>
+            <a:xfrm>
+              <a:off x="251520" y="2276872"/>
+              <a:ext cx="1296144" cy="1512168"/>
+            </a:xfrm>
+            <a:prstGeom prst="line">
+              <a:avLst/>
+            </a:prstGeom>
+            <a:ln w="19050">
+              <a:solidFill>
+                <a:schemeClr val="tx1"/>
+              </a:solidFill>
+            </a:ln>
+          </p:spPr>
+          <p:style>
+            <a:lnRef idx="1">
+              <a:schemeClr val="accent1"/>
+            </a:lnRef>
+            <a:fillRef idx="0">
+              <a:schemeClr val="accent1"/>
+            </a:fillRef>
+            <a:effectRef idx="0">
+              <a:schemeClr val="accent1"/>
+            </a:effectRef>
+            <a:fontRef idx="minor">
+              <a:schemeClr val="tx1"/>
+            </a:fontRef>
+          </p:style>
+        </p:cxnSp>
+        <p:cxnSp>
+          <p:nvCxnSpPr>
+            <p:cNvPr id="43" name="Gerade Verbindung 42"/>
+            <p:cNvCxnSpPr/>
+            <p:nvPr/>
+          </p:nvCxnSpPr>
+          <p:spPr>
+            <a:xfrm flipH="1">
+              <a:off x="251520" y="2276872"/>
+              <a:ext cx="1296144" cy="1512168"/>
+            </a:xfrm>
+            <a:prstGeom prst="line">
+              <a:avLst/>
+            </a:prstGeom>
+            <a:ln w="19050">
+              <a:solidFill>
+                <a:schemeClr val="tx1"/>
+              </a:solidFill>
+            </a:ln>
+          </p:spPr>
+          <p:style>
+            <a:lnRef idx="1">
+              <a:schemeClr val="accent1"/>
+            </a:lnRef>
+            <a:fillRef idx="0">
+              <a:schemeClr val="accent1"/>
+            </a:fillRef>
+            <a:effectRef idx="0">
+              <a:schemeClr val="accent1"/>
+            </a:effectRef>
+            <a:fontRef idx="minor">
+              <a:schemeClr val="tx1"/>
+            </a:fontRef>
+          </p:style>
+        </p:cxnSp>
+      </p:grpSp>
+      <p:sp>
+        <p:nvSpPr>
+          <p:cNvPr id="45" name="Rechteck 44"/>
+          <p:cNvSpPr/>
+          <p:nvPr/>
+        </p:nvSpPr>
+        <p:spPr>
+          <a:xfrm>
+            <a:off x="251520" y="6021288"/>
+            <a:ext cx="6264696" cy="615553"/>
+          </a:xfrm>
+          <a:prstGeom prst="rect">
+            <a:avLst/>
+          </a:prstGeom>
+        </p:spPr>
+        <p:txBody>
+          <a:bodyPr wrap="square">
+            <a:spAutoFit/>
+          </a:bodyPr>
+          <a:lstStyle/>
+          <a:p>
+            <a:r>
+              <a:rPr lang="fr-FR" b="1" dirty="0" smtClean="0"/>
+              <a:t>Date de la réservation : XX/XX/XXXX</a:t>
+            </a:r>
+          </a:p>
+          <a:p>
+            <a:r>
+              <a:rPr lang="fr-FR" sz="1600" b="1" dirty="0" smtClean="0"/>
+              <a:t>Prochaine date de retour : XX/XX/XXXX – Position sur liste d’attente XX.</a:t>
+            </a:r>
+            <a:endParaRPr lang="fr-FR" sz="1600" b="1" dirty="0"/>
+          </a:p>
+        </p:txBody>
+      </p:sp>
+      <p:sp>
+        <p:nvSpPr>
+          <p:cNvPr id="46" name="Textfeld 45"/>
+          <p:cNvSpPr txBox="1"/>
+          <p:nvPr/>
+        </p:nvSpPr>
+        <p:spPr>
+          <a:xfrm>
+            <a:off x="6732240" y="6237312"/>
+            <a:ext cx="2088232" cy="477054"/>
+          </a:xfrm>
+          <a:prstGeom prst="rect">
+            <a:avLst/>
+          </a:prstGeom>
+          <a:solidFill>
+            <a:schemeClr val="tx2">
+              <a:lumMod val="60000"/>
+              <a:lumOff val="40000"/>
+            </a:schemeClr>
+          </a:solidFill>
+          <a:ln w="19050">
+            <a:solidFill>
+              <a:schemeClr val="tx1"/>
+            </a:solidFill>
+          </a:ln>
+        </p:spPr>
+        <p:txBody>
+          <a:bodyPr wrap="square" rtlCol="0">
+            <a:spAutoFit/>
+          </a:bodyPr>
+          <a:lstStyle/>
+          <a:p>
+            <a:pPr algn="ctr"/>
+            <a:endParaRPr lang="fr-FR" sz="600" b="1" dirty="0" smtClean="0"/>
+          </a:p>
+          <a:p>
+            <a:pPr algn="ctr"/>
+            <a:r>
+              <a:rPr lang="fr-FR" sz="1300" b="1" dirty="0" smtClean="0"/>
+              <a:t>Annuler la réservation</a:t>
+            </a:r>
+          </a:p>
+          <a:p>
+            <a:pPr algn="ctr"/>
+            <a:endParaRPr lang="fr-FR" sz="600" b="1" i="1" dirty="0"/>
           </a:p>
         </p:txBody>
       </p:sp>

--- a/analyse/Wireframes.pptx
+++ b/analyse/Wireframes.pptx
@@ -296,7 +296,7 @@
             <a:fld id="{49211E1D-1FB6-46FD-AF96-A4F932C7C19E}" type="datetimeFigureOut">
               <a:rPr lang="fr-FR" smtClean="0"/>
               <a:pPr/>
-              <a:t>24/09/2018</a:t>
+              <a:t>01/10/2018</a:t>
             </a:fld>
             <a:endParaRPr lang="fr-FR" dirty="0"/>
           </a:p>
@@ -463,7 +463,7 @@
             <a:fld id="{49211E1D-1FB6-46FD-AF96-A4F932C7C19E}" type="datetimeFigureOut">
               <a:rPr lang="fr-FR" smtClean="0"/>
               <a:pPr/>
-              <a:t>24/09/2018</a:t>
+              <a:t>01/10/2018</a:t>
             </a:fld>
             <a:endParaRPr lang="fr-FR" dirty="0"/>
           </a:p>
@@ -640,7 +640,7 @@
             <a:fld id="{49211E1D-1FB6-46FD-AF96-A4F932C7C19E}" type="datetimeFigureOut">
               <a:rPr lang="fr-FR" smtClean="0"/>
               <a:pPr/>
-              <a:t>24/09/2018</a:t>
+              <a:t>01/10/2018</a:t>
             </a:fld>
             <a:endParaRPr lang="fr-FR" dirty="0"/>
           </a:p>
@@ -807,7 +807,7 @@
             <a:fld id="{49211E1D-1FB6-46FD-AF96-A4F932C7C19E}" type="datetimeFigureOut">
               <a:rPr lang="fr-FR" smtClean="0"/>
               <a:pPr/>
-              <a:t>24/09/2018</a:t>
+              <a:t>01/10/2018</a:t>
             </a:fld>
             <a:endParaRPr lang="fr-FR" dirty="0"/>
           </a:p>
@@ -1050,7 +1050,7 @@
             <a:fld id="{49211E1D-1FB6-46FD-AF96-A4F932C7C19E}" type="datetimeFigureOut">
               <a:rPr lang="fr-FR" smtClean="0"/>
               <a:pPr/>
-              <a:t>24/09/2018</a:t>
+              <a:t>01/10/2018</a:t>
             </a:fld>
             <a:endParaRPr lang="fr-FR" dirty="0"/>
           </a:p>
@@ -1335,7 +1335,7 @@
             <a:fld id="{49211E1D-1FB6-46FD-AF96-A4F932C7C19E}" type="datetimeFigureOut">
               <a:rPr lang="fr-FR" smtClean="0"/>
               <a:pPr/>
-              <a:t>24/09/2018</a:t>
+              <a:t>01/10/2018</a:t>
             </a:fld>
             <a:endParaRPr lang="fr-FR" dirty="0"/>
           </a:p>
@@ -1754,7 +1754,7 @@
             <a:fld id="{49211E1D-1FB6-46FD-AF96-A4F932C7C19E}" type="datetimeFigureOut">
               <a:rPr lang="fr-FR" smtClean="0"/>
               <a:pPr/>
-              <a:t>24/09/2018</a:t>
+              <a:t>01/10/2018</a:t>
             </a:fld>
             <a:endParaRPr lang="fr-FR" dirty="0"/>
           </a:p>
@@ -1869,7 +1869,7 @@
             <a:fld id="{49211E1D-1FB6-46FD-AF96-A4F932C7C19E}" type="datetimeFigureOut">
               <a:rPr lang="fr-FR" smtClean="0"/>
               <a:pPr/>
-              <a:t>24/09/2018</a:t>
+              <a:t>01/10/2018</a:t>
             </a:fld>
             <a:endParaRPr lang="fr-FR" dirty="0"/>
           </a:p>
@@ -1961,7 +1961,7 @@
             <a:fld id="{49211E1D-1FB6-46FD-AF96-A4F932C7C19E}" type="datetimeFigureOut">
               <a:rPr lang="fr-FR" smtClean="0"/>
               <a:pPr/>
-              <a:t>24/09/2018</a:t>
+              <a:t>01/10/2018</a:t>
             </a:fld>
             <a:endParaRPr lang="fr-FR" dirty="0"/>
           </a:p>
@@ -2235,7 +2235,7 @@
             <a:fld id="{49211E1D-1FB6-46FD-AF96-A4F932C7C19E}" type="datetimeFigureOut">
               <a:rPr lang="fr-FR" smtClean="0"/>
               <a:pPr/>
-              <a:t>24/09/2018</a:t>
+              <a:t>01/10/2018</a:t>
             </a:fld>
             <a:endParaRPr lang="fr-FR" dirty="0"/>
           </a:p>
@@ -2485,7 +2485,7 @@
             <a:fld id="{49211E1D-1FB6-46FD-AF96-A4F932C7C19E}" type="datetimeFigureOut">
               <a:rPr lang="fr-FR" smtClean="0"/>
               <a:pPr/>
-              <a:t>24/09/2018</a:t>
+              <a:t>01/10/2018</a:t>
             </a:fld>
             <a:endParaRPr lang="fr-FR" dirty="0"/>
           </a:p>
@@ -2695,7 +2695,7 @@
             <a:fld id="{49211E1D-1FB6-46FD-AF96-A4F932C7C19E}" type="datetimeFigureOut">
               <a:rPr lang="fr-FR" smtClean="0"/>
               <a:pPr/>
-              <a:t>24/09/2018</a:t>
+              <a:t>01/10/2018</a:t>
             </a:fld>
             <a:endParaRPr lang="fr-FR" dirty="0"/>
           </a:p>
@@ -6111,42 +6111,18 @@
             </a:r>
             <a:r>
               <a:rPr lang="fr-FR" i="1" dirty="0" smtClean="0"/>
-              <a:t> : </a:t>
-            </a:r>
+              <a:t> :   Biblio 1 : 0   </a:t>
+            </a:r>
+            <a:r>
+              <a:rPr lang="fr-FR" sz="1100" i="1" dirty="0" smtClean="0"/>
+              <a:t>Prochaine date de retour : XX/XX/XXXX   XX Personnes sur liste d’attente</a:t>
+            </a:r>
+            <a:endParaRPr lang="fr-FR" i="1" dirty="0" smtClean="0"/>
+          </a:p>
+          <a:p>
             <a:r>
               <a:rPr lang="fr-FR" i="1" dirty="0" smtClean="0"/>
-              <a:t>  Biblio </a:t>
-            </a:r>
-            <a:r>
-              <a:rPr lang="fr-FR" i="1" dirty="0" smtClean="0"/>
-              <a:t>1 : 0   </a:t>
-            </a:r>
-            <a:r>
-              <a:rPr lang="fr-FR" sz="1100" i="1" dirty="0" smtClean="0">
-                <a:solidFill>
-                  <a:srgbClr val="0070C0"/>
-                </a:solidFill>
-              </a:rPr>
-              <a:t>Prochaine date de retour : XX/XX/XXXX   XX Personnes sur liste d’attente</a:t>
-            </a:r>
-            <a:endParaRPr lang="fr-FR" i="1" dirty="0" smtClean="0">
-              <a:solidFill>
-                <a:srgbClr val="0070C0"/>
-              </a:solidFill>
-            </a:endParaRPr>
-          </a:p>
-          <a:p>
-            <a:r>
-              <a:rPr lang="fr-FR" i="1" dirty="0" smtClean="0"/>
-              <a:t>	</a:t>
-            </a:r>
-            <a:r>
-              <a:rPr lang="fr-FR" i="1" dirty="0" smtClean="0"/>
-              <a:t>          Biblio </a:t>
-            </a:r>
-            <a:r>
-              <a:rPr lang="fr-FR" i="1" dirty="0" smtClean="0"/>
-              <a:t>2 : X</a:t>
+              <a:t>	          Biblio 2 : X</a:t>
             </a:r>
             <a:endParaRPr lang="fr-FR" dirty="0"/>
           </a:p>
@@ -7211,18 +7187,10 @@
           <a:lstStyle/>
           <a:p>
             <a:r>
-              <a:rPr lang="fr-FR" b="1" dirty="0" smtClean="0">
-                <a:solidFill>
-                  <a:srgbClr val="0070C0"/>
-                </a:solidFill>
-              </a:rPr>
+              <a:rPr lang="fr-FR" b="1" dirty="0" smtClean="0"/>
               <a:t>Sur liste d’attente :</a:t>
             </a:r>
-            <a:endParaRPr lang="fr-FR" b="1" dirty="0">
-              <a:solidFill>
-                <a:srgbClr val="0070C0"/>
-              </a:solidFill>
-            </a:endParaRPr>
+            <a:endParaRPr lang="fr-FR" b="1" dirty="0"/>
           </a:p>
         </p:txBody>
       </p:sp>

--- a/analyse/Wireframes.pptx
+++ b/analyse/Wireframes.pptx
@@ -296,7 +296,7 @@
             <a:fld id="{49211E1D-1FB6-46FD-AF96-A4F932C7C19E}" type="datetimeFigureOut">
               <a:rPr lang="fr-FR" smtClean="0"/>
               <a:pPr/>
-              <a:t>28/06/2018</a:t>
+              <a:t>01/10/2018</a:t>
             </a:fld>
             <a:endParaRPr lang="fr-FR" dirty="0"/>
           </a:p>
@@ -463,7 +463,7 @@
             <a:fld id="{49211E1D-1FB6-46FD-AF96-A4F932C7C19E}" type="datetimeFigureOut">
               <a:rPr lang="fr-FR" smtClean="0"/>
               <a:pPr/>
-              <a:t>28/06/2018</a:t>
+              <a:t>01/10/2018</a:t>
             </a:fld>
             <a:endParaRPr lang="fr-FR" dirty="0"/>
           </a:p>
@@ -640,7 +640,7 @@
             <a:fld id="{49211E1D-1FB6-46FD-AF96-A4F932C7C19E}" type="datetimeFigureOut">
               <a:rPr lang="fr-FR" smtClean="0"/>
               <a:pPr/>
-              <a:t>28/06/2018</a:t>
+              <a:t>01/10/2018</a:t>
             </a:fld>
             <a:endParaRPr lang="fr-FR" dirty="0"/>
           </a:p>
@@ -807,7 +807,7 @@
             <a:fld id="{49211E1D-1FB6-46FD-AF96-A4F932C7C19E}" type="datetimeFigureOut">
               <a:rPr lang="fr-FR" smtClean="0"/>
               <a:pPr/>
-              <a:t>28/06/2018</a:t>
+              <a:t>01/10/2018</a:t>
             </a:fld>
             <a:endParaRPr lang="fr-FR" dirty="0"/>
           </a:p>
@@ -1050,7 +1050,7 @@
             <a:fld id="{49211E1D-1FB6-46FD-AF96-A4F932C7C19E}" type="datetimeFigureOut">
               <a:rPr lang="fr-FR" smtClean="0"/>
               <a:pPr/>
-              <a:t>28/06/2018</a:t>
+              <a:t>01/10/2018</a:t>
             </a:fld>
             <a:endParaRPr lang="fr-FR" dirty="0"/>
           </a:p>
@@ -1335,7 +1335,7 @@
             <a:fld id="{49211E1D-1FB6-46FD-AF96-A4F932C7C19E}" type="datetimeFigureOut">
               <a:rPr lang="fr-FR" smtClean="0"/>
               <a:pPr/>
-              <a:t>28/06/2018</a:t>
+              <a:t>01/10/2018</a:t>
             </a:fld>
             <a:endParaRPr lang="fr-FR" dirty="0"/>
           </a:p>
@@ -1754,7 +1754,7 @@
             <a:fld id="{49211E1D-1FB6-46FD-AF96-A4F932C7C19E}" type="datetimeFigureOut">
               <a:rPr lang="fr-FR" smtClean="0"/>
               <a:pPr/>
-              <a:t>28/06/2018</a:t>
+              <a:t>01/10/2018</a:t>
             </a:fld>
             <a:endParaRPr lang="fr-FR" dirty="0"/>
           </a:p>
@@ -1869,7 +1869,7 @@
             <a:fld id="{49211E1D-1FB6-46FD-AF96-A4F932C7C19E}" type="datetimeFigureOut">
               <a:rPr lang="fr-FR" smtClean="0"/>
               <a:pPr/>
-              <a:t>28/06/2018</a:t>
+              <a:t>01/10/2018</a:t>
             </a:fld>
             <a:endParaRPr lang="fr-FR" dirty="0"/>
           </a:p>
@@ -1961,7 +1961,7 @@
             <a:fld id="{49211E1D-1FB6-46FD-AF96-A4F932C7C19E}" type="datetimeFigureOut">
               <a:rPr lang="fr-FR" smtClean="0"/>
               <a:pPr/>
-              <a:t>28/06/2018</a:t>
+              <a:t>01/10/2018</a:t>
             </a:fld>
             <a:endParaRPr lang="fr-FR" dirty="0"/>
           </a:p>
@@ -2235,7 +2235,7 @@
             <a:fld id="{49211E1D-1FB6-46FD-AF96-A4F932C7C19E}" type="datetimeFigureOut">
               <a:rPr lang="fr-FR" smtClean="0"/>
               <a:pPr/>
-              <a:t>28/06/2018</a:t>
+              <a:t>01/10/2018</a:t>
             </a:fld>
             <a:endParaRPr lang="fr-FR" dirty="0"/>
           </a:p>
@@ -2485,7 +2485,7 @@
             <a:fld id="{49211E1D-1FB6-46FD-AF96-A4F932C7C19E}" type="datetimeFigureOut">
               <a:rPr lang="fr-FR" smtClean="0"/>
               <a:pPr/>
-              <a:t>28/06/2018</a:t>
+              <a:t>01/10/2018</a:t>
             </a:fld>
             <a:endParaRPr lang="fr-FR" dirty="0"/>
           </a:p>
@@ -2695,7 +2695,7 @@
             <a:fld id="{49211E1D-1FB6-46FD-AF96-A4F932C7C19E}" type="datetimeFigureOut">
               <a:rPr lang="fr-FR" smtClean="0"/>
               <a:pPr/>
-              <a:t>28/06/2018</a:t>
+              <a:t>01/10/2018</a:t>
             </a:fld>
             <a:endParaRPr lang="fr-FR" dirty="0"/>
           </a:p>
@@ -6111,15 +6111,61 @@
             </a:r>
             <a:r>
               <a:rPr lang="fr-FR" i="1" dirty="0" smtClean="0"/>
-              <a:t> : 	Biblio 1 : X (nb dispo)</a:t>
-            </a:r>
+              <a:t> :   Biblio 1 : 0   </a:t>
+            </a:r>
+            <a:r>
+              <a:rPr lang="fr-FR" sz="1100" i="1" dirty="0" smtClean="0"/>
+              <a:t>Prochaine date de retour : XX/XX/XXXX   XX Personnes sur liste d’attente</a:t>
+            </a:r>
+            <a:endParaRPr lang="fr-FR" i="1" dirty="0" smtClean="0"/>
           </a:p>
           <a:p>
             <a:r>
               <a:rPr lang="fr-FR" i="1" dirty="0" smtClean="0"/>
-              <a:t>		Biblio 2 : X (nb dispo)</a:t>
+              <a:t>	          Biblio 2 : X</a:t>
             </a:r>
             <a:endParaRPr lang="fr-FR" dirty="0"/>
+          </a:p>
+        </p:txBody>
+      </p:sp>
+      <p:sp>
+        <p:nvSpPr>
+          <p:cNvPr id="37" name="Textfeld 36"/>
+          <p:cNvSpPr txBox="1"/>
+          <p:nvPr/>
+        </p:nvSpPr>
+        <p:spPr>
+          <a:xfrm>
+            <a:off x="7380312" y="4797152"/>
+            <a:ext cx="1296144" cy="292388"/>
+          </a:xfrm>
+          <a:prstGeom prst="rect">
+            <a:avLst/>
+          </a:prstGeom>
+          <a:solidFill>
+            <a:schemeClr val="tx2">
+              <a:lumMod val="60000"/>
+              <a:lumOff val="40000"/>
+            </a:schemeClr>
+          </a:solidFill>
+          <a:ln w="19050">
+            <a:solidFill>
+              <a:schemeClr val="tx1"/>
+            </a:solidFill>
+          </a:ln>
+        </p:spPr>
+        <p:txBody>
+          <a:bodyPr wrap="square" rtlCol="0">
+            <a:spAutoFit/>
+          </a:bodyPr>
+          <a:lstStyle/>
+          <a:p>
+            <a:pPr algn="ctr"/>
+            <a:r>
+              <a:rPr lang="fr-FR" sz="1300" b="1" dirty="0" smtClean="0"/>
+              <a:t>Réserver</a:t>
+            </a:r>
+            <a:endParaRPr lang="fr-FR" sz="1300" b="1" dirty="0"/>
           </a:p>
         </p:txBody>
       </p:sp>
@@ -6156,8 +6202,8 @@
         </p:nvSpPr>
         <p:spPr>
           <a:xfrm>
-            <a:off x="107504" y="620688"/>
-            <a:ext cx="8928992" cy="2016224"/>
+            <a:off x="107504" y="908720"/>
+            <a:ext cx="8928992" cy="1728192"/>
           </a:xfrm>
           <a:prstGeom prst="rect">
             <a:avLst/>
@@ -6429,12 +6475,8 @@
           <a:p>
             <a:pPr algn="ctr"/>
             <a:r>
-              <a:rPr lang="fr-FR" sz="1300" b="1" dirty="0"/>
-              <a:t>P</a:t>
-            </a:r>
-            <a:r>
               <a:rPr lang="fr-FR" sz="1300" b="1" dirty="0" smtClean="0"/>
-              <a:t>rêts </a:t>
+              <a:t>Prêts </a:t>
             </a:r>
             <a:r>
               <a:rPr lang="fr-FR" sz="1300" b="1" dirty="0"/>
@@ -6492,7 +6534,7 @@
         </p:nvSpPr>
         <p:spPr>
           <a:xfrm>
-            <a:off x="1187624" y="692696"/>
+            <a:off x="1187624" y="980728"/>
             <a:ext cx="7704856" cy="923330"/>
           </a:xfrm>
           <a:prstGeom prst="rect">
@@ -6561,7 +6603,7 @@
         </p:nvGrpSpPr>
         <p:grpSpPr>
           <a:xfrm>
-            <a:off x="323528" y="692696"/>
+            <a:off x="323528" y="980728"/>
             <a:ext cx="720080" cy="1080120"/>
             <a:chOff x="251520" y="2276872"/>
             <a:chExt cx="1296144" cy="1512168"/>
@@ -6779,8 +6821,8 @@
         </p:nvSpPr>
         <p:spPr>
           <a:xfrm>
-            <a:off x="107504" y="2780928"/>
-            <a:ext cx="8928992" cy="2016224"/>
+            <a:off x="107504" y="2708920"/>
+            <a:ext cx="8928992" cy="1728192"/>
           </a:xfrm>
           <a:prstGeom prst="rect">
             <a:avLst/>
@@ -6829,7 +6871,7 @@
         </p:nvSpPr>
         <p:spPr>
           <a:xfrm>
-            <a:off x="1187624" y="2852936"/>
+            <a:off x="1187624" y="2780928"/>
             <a:ext cx="7704856" cy="923330"/>
           </a:xfrm>
           <a:prstGeom prst="rect">
@@ -6898,7 +6940,7 @@
         </p:nvGrpSpPr>
         <p:grpSpPr>
           <a:xfrm>
-            <a:off x="323528" y="2852936"/>
+            <a:off x="323528" y="2780928"/>
             <a:ext cx="720080" cy="1080120"/>
             <a:chOff x="251520" y="2276872"/>
             <a:chExt cx="1296144" cy="1512168"/>
@@ -7031,7 +7073,7 @@
         </p:nvSpPr>
         <p:spPr>
           <a:xfrm>
-            <a:off x="5868144" y="4221088"/>
+            <a:off x="5868144" y="3861048"/>
             <a:ext cx="2952328" cy="492443"/>
           </a:xfrm>
           <a:prstGeom prst="rect">
@@ -7071,7 +7113,7 @@
         </p:nvSpPr>
         <p:spPr>
           <a:xfrm>
-            <a:off x="251520" y="4293096"/>
+            <a:off x="251520" y="3933056"/>
             <a:ext cx="6264696" cy="369332"/>
           </a:xfrm>
           <a:prstGeom prst="rect">
@@ -7089,6 +7131,401 @@
               <a:t>Début du prêt : XX/XX/XXXX - Fin du prêt : XX/XX/XXXX</a:t>
             </a:r>
             <a:endParaRPr lang="fr-FR" b="1" dirty="0"/>
+          </a:p>
+        </p:txBody>
+      </p:sp>
+      <p:sp>
+        <p:nvSpPr>
+          <p:cNvPr id="36" name="Textfeld 35"/>
+          <p:cNvSpPr txBox="1"/>
+          <p:nvPr/>
+        </p:nvSpPr>
+        <p:spPr>
+          <a:xfrm>
+            <a:off x="107504" y="548680"/>
+            <a:ext cx="1656184" cy="369332"/>
+          </a:xfrm>
+          <a:prstGeom prst="rect">
+            <a:avLst/>
+          </a:prstGeom>
+          <a:noFill/>
+        </p:spPr>
+        <p:txBody>
+          <a:bodyPr wrap="square" rtlCol="0">
+            <a:spAutoFit/>
+          </a:bodyPr>
+          <a:lstStyle/>
+          <a:p>
+            <a:r>
+              <a:rPr lang="fr-FR" b="1" dirty="0" smtClean="0"/>
+              <a:t>Prêt en cours :</a:t>
+            </a:r>
+            <a:endParaRPr lang="fr-FR" b="1" dirty="0"/>
+          </a:p>
+        </p:txBody>
+      </p:sp>
+      <p:sp>
+        <p:nvSpPr>
+          <p:cNvPr id="37" name="Textfeld 36"/>
+          <p:cNvSpPr txBox="1"/>
+          <p:nvPr/>
+        </p:nvSpPr>
+        <p:spPr>
+          <a:xfrm>
+            <a:off x="107504" y="4437112"/>
+            <a:ext cx="2376264" cy="369332"/>
+          </a:xfrm>
+          <a:prstGeom prst="rect">
+            <a:avLst/>
+          </a:prstGeom>
+          <a:noFill/>
+        </p:spPr>
+        <p:txBody>
+          <a:bodyPr wrap="square" rtlCol="0">
+            <a:spAutoFit/>
+          </a:bodyPr>
+          <a:lstStyle/>
+          <a:p>
+            <a:r>
+              <a:rPr lang="fr-FR" b="1" dirty="0" smtClean="0"/>
+              <a:t>Sur liste d’attente :</a:t>
+            </a:r>
+            <a:endParaRPr lang="fr-FR" b="1" dirty="0"/>
+          </a:p>
+        </p:txBody>
+      </p:sp>
+      <p:sp>
+        <p:nvSpPr>
+          <p:cNvPr id="38" name="Rechteck 37"/>
+          <p:cNvSpPr/>
+          <p:nvPr/>
+        </p:nvSpPr>
+        <p:spPr>
+          <a:xfrm>
+            <a:off x="107504" y="4797152"/>
+            <a:ext cx="8928992" cy="2016224"/>
+          </a:xfrm>
+          <a:prstGeom prst="rect">
+            <a:avLst/>
+          </a:prstGeom>
+          <a:solidFill>
+            <a:schemeClr val="bg1">
+              <a:lumMod val="75000"/>
+            </a:schemeClr>
+          </a:solidFill>
+          <a:ln w="19050">
+            <a:solidFill>
+              <a:schemeClr val="tx1"/>
+            </a:solidFill>
+          </a:ln>
+        </p:spPr>
+        <p:style>
+          <a:lnRef idx="2">
+            <a:schemeClr val="accent1">
+              <a:shade val="50000"/>
+            </a:schemeClr>
+          </a:lnRef>
+          <a:fillRef idx="1">
+            <a:schemeClr val="accent1"/>
+          </a:fillRef>
+          <a:effectRef idx="0">
+            <a:schemeClr val="accent1"/>
+          </a:effectRef>
+          <a:fontRef idx="minor">
+            <a:schemeClr val="lt1"/>
+          </a:fontRef>
+        </p:style>
+        <p:txBody>
+          <a:bodyPr rtlCol="0" anchor="ctr"/>
+          <a:lstStyle/>
+          <a:p>
+            <a:pPr algn="ctr"/>
+            <a:endParaRPr lang="fr-FR" dirty="0"/>
+          </a:p>
+        </p:txBody>
+      </p:sp>
+      <p:sp>
+        <p:nvSpPr>
+          <p:cNvPr id="39" name="Textfeld 38"/>
+          <p:cNvSpPr txBox="1"/>
+          <p:nvPr/>
+        </p:nvSpPr>
+        <p:spPr>
+          <a:xfrm>
+            <a:off x="1187624" y="4869160"/>
+            <a:ext cx="7704856" cy="923330"/>
+          </a:xfrm>
+          <a:prstGeom prst="rect">
+            <a:avLst/>
+          </a:prstGeom>
+          <a:noFill/>
+        </p:spPr>
+        <p:txBody>
+          <a:bodyPr wrap="square" rtlCol="0">
+            <a:spAutoFit/>
+          </a:bodyPr>
+          <a:lstStyle/>
+          <a:p>
+            <a:r>
+              <a:rPr lang="fr-FR" i="1" dirty="0" smtClean="0"/>
+              <a:t>Titre				</a:t>
+            </a:r>
+            <a:r>
+              <a:rPr lang="fr-FR" dirty="0" smtClean="0"/>
+              <a:t>par  </a:t>
+            </a:r>
+            <a:r>
+              <a:rPr lang="fr-FR" i="1" dirty="0" smtClean="0"/>
+              <a:t>Auteur</a:t>
+            </a:r>
+          </a:p>
+          <a:p>
+            <a:r>
+              <a:rPr lang="fr-FR" dirty="0" smtClean="0"/>
+              <a:t>Genre : </a:t>
+            </a:r>
+            <a:r>
+              <a:rPr lang="fr-FR" i="1" dirty="0" smtClean="0"/>
+              <a:t>Xxxx			</a:t>
+            </a:r>
+            <a:r>
+              <a:rPr lang="fr-FR" dirty="0" smtClean="0"/>
+              <a:t>ISBN : </a:t>
+            </a:r>
+            <a:r>
+              <a:rPr lang="fr-FR" i="1" dirty="0" smtClean="0"/>
+              <a:t>XXX-X-XXXX-XXXX-X</a:t>
+            </a:r>
+          </a:p>
+          <a:p>
+            <a:r>
+              <a:rPr lang="fr-FR" dirty="0" smtClean="0"/>
+              <a:t>Date de publication : </a:t>
+            </a:r>
+            <a:r>
+              <a:rPr lang="fr-FR" i="1" dirty="0" smtClean="0"/>
+              <a:t>XX/XX/XXXX	</a:t>
+            </a:r>
+            <a:r>
+              <a:rPr lang="fr-FR" dirty="0" smtClean="0"/>
+              <a:t>Editeur : Xxxxx</a:t>
+            </a:r>
+          </a:p>
+        </p:txBody>
+      </p:sp>
+      <p:grpSp>
+        <p:nvGrpSpPr>
+          <p:cNvPr id="40" name="Gruppieren 39"/>
+          <p:cNvGrpSpPr/>
+          <p:nvPr/>
+        </p:nvGrpSpPr>
+        <p:grpSpPr>
+          <a:xfrm>
+            <a:off x="323528" y="4869160"/>
+            <a:ext cx="720080" cy="1080120"/>
+            <a:chOff x="251520" y="2276872"/>
+            <a:chExt cx="1296144" cy="1512168"/>
+          </a:xfrm>
+        </p:grpSpPr>
+        <p:sp>
+          <p:nvSpPr>
+            <p:cNvPr id="41" name="Rechteck 40"/>
+            <p:cNvSpPr/>
+            <p:nvPr/>
+          </p:nvSpPr>
+          <p:spPr>
+            <a:xfrm>
+              <a:off x="251520" y="2276872"/>
+              <a:ext cx="1296144" cy="1512168"/>
+            </a:xfrm>
+            <a:prstGeom prst="rect">
+              <a:avLst/>
+            </a:prstGeom>
+            <a:solidFill>
+              <a:schemeClr val="bg1"/>
+            </a:solidFill>
+            <a:ln w="19050">
+              <a:solidFill>
+                <a:schemeClr val="tx1"/>
+              </a:solidFill>
+            </a:ln>
+          </p:spPr>
+          <p:style>
+            <a:lnRef idx="2">
+              <a:schemeClr val="accent1">
+                <a:shade val="50000"/>
+              </a:schemeClr>
+            </a:lnRef>
+            <a:fillRef idx="1">
+              <a:schemeClr val="accent1"/>
+            </a:fillRef>
+            <a:effectRef idx="0">
+              <a:schemeClr val="accent1"/>
+            </a:effectRef>
+            <a:fontRef idx="minor">
+              <a:schemeClr val="lt1"/>
+            </a:fontRef>
+          </p:style>
+          <p:txBody>
+            <a:bodyPr rtlCol="0" anchor="ctr"/>
+            <a:lstStyle/>
+            <a:p>
+              <a:pPr algn="ctr"/>
+              <a:endParaRPr lang="fr-FR" dirty="0"/>
+            </a:p>
+          </p:txBody>
+        </p:sp>
+        <p:cxnSp>
+          <p:nvCxnSpPr>
+            <p:cNvPr id="42" name="Gerade Verbindung 41"/>
+            <p:cNvCxnSpPr/>
+            <p:nvPr/>
+          </p:nvCxnSpPr>
+          <p:spPr>
+            <a:xfrm>
+              <a:off x="251520" y="2276872"/>
+              <a:ext cx="1296144" cy="1512168"/>
+            </a:xfrm>
+            <a:prstGeom prst="line">
+              <a:avLst/>
+            </a:prstGeom>
+            <a:ln w="19050">
+              <a:solidFill>
+                <a:schemeClr val="tx1"/>
+              </a:solidFill>
+            </a:ln>
+          </p:spPr>
+          <p:style>
+            <a:lnRef idx="1">
+              <a:schemeClr val="accent1"/>
+            </a:lnRef>
+            <a:fillRef idx="0">
+              <a:schemeClr val="accent1"/>
+            </a:fillRef>
+            <a:effectRef idx="0">
+              <a:schemeClr val="accent1"/>
+            </a:effectRef>
+            <a:fontRef idx="minor">
+              <a:schemeClr val="tx1"/>
+            </a:fontRef>
+          </p:style>
+        </p:cxnSp>
+        <p:cxnSp>
+          <p:nvCxnSpPr>
+            <p:cNvPr id="43" name="Gerade Verbindung 42"/>
+            <p:cNvCxnSpPr/>
+            <p:nvPr/>
+          </p:nvCxnSpPr>
+          <p:spPr>
+            <a:xfrm flipH="1">
+              <a:off x="251520" y="2276872"/>
+              <a:ext cx="1296144" cy="1512168"/>
+            </a:xfrm>
+            <a:prstGeom prst="line">
+              <a:avLst/>
+            </a:prstGeom>
+            <a:ln w="19050">
+              <a:solidFill>
+                <a:schemeClr val="tx1"/>
+              </a:solidFill>
+            </a:ln>
+          </p:spPr>
+          <p:style>
+            <a:lnRef idx="1">
+              <a:schemeClr val="accent1"/>
+            </a:lnRef>
+            <a:fillRef idx="0">
+              <a:schemeClr val="accent1"/>
+            </a:fillRef>
+            <a:effectRef idx="0">
+              <a:schemeClr val="accent1"/>
+            </a:effectRef>
+            <a:fontRef idx="minor">
+              <a:schemeClr val="tx1"/>
+            </a:fontRef>
+          </p:style>
+        </p:cxnSp>
+      </p:grpSp>
+      <p:sp>
+        <p:nvSpPr>
+          <p:cNvPr id="45" name="Rechteck 44"/>
+          <p:cNvSpPr/>
+          <p:nvPr/>
+        </p:nvSpPr>
+        <p:spPr>
+          <a:xfrm>
+            <a:off x="251520" y="6021288"/>
+            <a:ext cx="6264696" cy="615553"/>
+          </a:xfrm>
+          <a:prstGeom prst="rect">
+            <a:avLst/>
+          </a:prstGeom>
+        </p:spPr>
+        <p:txBody>
+          <a:bodyPr wrap="square">
+            <a:spAutoFit/>
+          </a:bodyPr>
+          <a:lstStyle/>
+          <a:p>
+            <a:r>
+              <a:rPr lang="fr-FR" b="1" dirty="0" smtClean="0"/>
+              <a:t>Date de la réservation : XX/XX/XXXX</a:t>
+            </a:r>
+          </a:p>
+          <a:p>
+            <a:r>
+              <a:rPr lang="fr-FR" sz="1600" b="1" dirty="0" smtClean="0"/>
+              <a:t>Prochaine date de retour : XX/XX/XXXX – Position sur liste d’attente XX.</a:t>
+            </a:r>
+            <a:endParaRPr lang="fr-FR" sz="1600" b="1" dirty="0"/>
+          </a:p>
+        </p:txBody>
+      </p:sp>
+      <p:sp>
+        <p:nvSpPr>
+          <p:cNvPr id="46" name="Textfeld 45"/>
+          <p:cNvSpPr txBox="1"/>
+          <p:nvPr/>
+        </p:nvSpPr>
+        <p:spPr>
+          <a:xfrm>
+            <a:off x="6732240" y="6237312"/>
+            <a:ext cx="2088232" cy="477054"/>
+          </a:xfrm>
+          <a:prstGeom prst="rect">
+            <a:avLst/>
+          </a:prstGeom>
+          <a:solidFill>
+            <a:schemeClr val="tx2">
+              <a:lumMod val="60000"/>
+              <a:lumOff val="40000"/>
+            </a:schemeClr>
+          </a:solidFill>
+          <a:ln w="19050">
+            <a:solidFill>
+              <a:schemeClr val="tx1"/>
+            </a:solidFill>
+          </a:ln>
+        </p:spPr>
+        <p:txBody>
+          <a:bodyPr wrap="square" rtlCol="0">
+            <a:spAutoFit/>
+          </a:bodyPr>
+          <a:lstStyle/>
+          <a:p>
+            <a:pPr algn="ctr"/>
+            <a:endParaRPr lang="fr-FR" sz="600" b="1" dirty="0" smtClean="0"/>
+          </a:p>
+          <a:p>
+            <a:pPr algn="ctr"/>
+            <a:r>
+              <a:rPr lang="fr-FR" sz="1300" b="1" dirty="0" smtClean="0"/>
+              <a:t>Annuler la réservation</a:t>
+            </a:r>
+          </a:p>
+          <a:p>
+            <a:pPr algn="ctr"/>
+            <a:endParaRPr lang="fr-FR" sz="600" b="1" i="1" dirty="0"/>
           </a:p>
         </p:txBody>
       </p:sp>

--- a/analyse/Wireframes.pptx
+++ b/analyse/Wireframes.pptx
@@ -7657,7 +7657,7 @@
         </p:nvSpPr>
         <p:spPr>
           <a:xfrm>
-            <a:off x="3419872" y="2204864"/>
+            <a:off x="3419872" y="2920588"/>
             <a:ext cx="2304256" cy="292388"/>
           </a:xfrm>
           <a:prstGeom prst="rect">
@@ -8007,6 +8007,60 @@
               <a:t>jeremylootens@gmail.com</a:t>
             </a:r>
             <a:endParaRPr lang="fr-FR" sz="2400" dirty="0"/>
+          </a:p>
+        </p:txBody>
+      </p:sp>
+      <p:sp>
+        <p:nvSpPr>
+          <p:cNvPr id="13" name="Textfeld 12"/>
+          <p:cNvSpPr txBox="1"/>
+          <p:nvPr/>
+        </p:nvSpPr>
+        <p:spPr>
+          <a:xfrm>
+            <a:off x="251520" y="2204864"/>
+            <a:ext cx="8712968" cy="461665"/>
+          </a:xfrm>
+          <a:prstGeom prst="rect">
+            <a:avLst/>
+          </a:prstGeom>
+          <a:noFill/>
+        </p:spPr>
+        <p:txBody>
+          <a:bodyPr wrap="square" rtlCol="0">
+            <a:spAutoFit/>
+          </a:bodyPr>
+          <a:lstStyle/>
+          <a:p>
+            <a:pPr algn="ctr"/>
+            <a:r>
+              <a:rPr lang="fr-FR" sz="1200" dirty="0" smtClean="0"/>
+              <a:t>Un mail de rappel vous sera envoyé 5 jours avant l’échéance de retour d’un ouvrage</a:t>
+            </a:r>
+          </a:p>
+          <a:p>
+            <a:pPr algn="ctr"/>
+            <a:r>
+              <a:rPr lang="fr-FR" sz="1200" dirty="0" smtClean="0"/>
+              <a:t>Les </a:t>
+            </a:r>
+            <a:r>
+              <a:rPr lang="fr-FR" sz="1200" dirty="0" smtClean="0"/>
+              <a:t>mail de rappel </a:t>
+            </a:r>
+            <a:r>
+              <a:rPr lang="fr-FR" sz="1200" dirty="0" smtClean="0"/>
+              <a:t>avant échéance </a:t>
+            </a:r>
+            <a:r>
+              <a:rPr lang="fr-FR" sz="1200" dirty="0" smtClean="0"/>
+              <a:t>de retour d’un ouvrage </a:t>
+            </a:r>
+            <a:r>
+              <a:rPr lang="fr-FR" sz="1200" dirty="0" smtClean="0"/>
+              <a:t>sont désactivé pour votre profil</a:t>
+            </a:r>
+            <a:endParaRPr lang="fr-FR" sz="1200" dirty="0" smtClean="0"/>
           </a:p>
         </p:txBody>
       </p:sp>
@@ -8044,7 +8098,7 @@
         <p:spPr>
           <a:xfrm>
             <a:off x="107504" y="620688"/>
-            <a:ext cx="8928992" cy="2808312"/>
+            <a:ext cx="8928992" cy="3312368"/>
           </a:xfrm>
           <a:prstGeom prst="rect">
             <a:avLst/>
@@ -8373,7 +8427,7 @@
         </p:nvSpPr>
         <p:spPr>
           <a:xfrm>
-            <a:off x="3275856" y="2996952"/>
+            <a:off x="3275856" y="3400124"/>
             <a:ext cx="2592288" cy="292388"/>
           </a:xfrm>
           <a:prstGeom prst="rect">
@@ -8774,6 +8828,84 @@
           </a:p>
         </p:txBody>
       </p:sp>
+      <p:sp>
+        <p:nvSpPr>
+          <p:cNvPr id="20" name="Rechteck 19"/>
+          <p:cNvSpPr/>
+          <p:nvPr/>
+        </p:nvSpPr>
+        <p:spPr>
+          <a:xfrm>
+            <a:off x="4572000" y="2852936"/>
+            <a:ext cx="4320480" cy="461665"/>
+          </a:xfrm>
+          <a:prstGeom prst="rect">
+            <a:avLst/>
+          </a:prstGeom>
+        </p:spPr>
+        <p:txBody>
+          <a:bodyPr wrap="square">
+            <a:spAutoFit/>
+          </a:bodyPr>
+          <a:lstStyle/>
+          <a:p>
+            <a:r>
+              <a:rPr lang="fr-FR" sz="1200" dirty="0" smtClean="0"/>
+              <a:t>Recevoir un mail </a:t>
+            </a:r>
+            <a:r>
+              <a:rPr lang="fr-FR" sz="1200" dirty="0" smtClean="0"/>
+              <a:t>de rappel </a:t>
+            </a:r>
+            <a:r>
+              <a:rPr lang="fr-FR" sz="1200" dirty="0" smtClean="0"/>
+              <a:t>5 jours avant l’échéance </a:t>
+            </a:r>
+            <a:r>
+              <a:rPr lang="fr-FR" sz="1200" dirty="0" smtClean="0"/>
+              <a:t>de retour d’un </a:t>
+            </a:r>
+            <a:r>
+              <a:rPr lang="fr-FR" sz="1200" dirty="0" smtClean="0"/>
+              <a:t>ouvrage?</a:t>
+            </a:r>
+            <a:endParaRPr lang="fr-FR" sz="1200" dirty="0"/>
+          </a:p>
+        </p:txBody>
+      </p:sp>
+      <p:pic>
+        <p:nvPicPr>
+          <p:cNvPr id="1026" name="Picture 2"/>
+          <p:cNvPicPr>
+            <a:picLocks noChangeAspect="1" noChangeArrowheads="1"/>
+          </p:cNvPicPr>
+          <p:nvPr/>
+        </p:nvPicPr>
+        <p:blipFill>
+          <a:blip r:embed="rId3" cstate="print"/>
+          <a:srcRect/>
+          <a:stretch>
+            <a:fillRect/>
+          </a:stretch>
+        </p:blipFill>
+        <p:spPr bwMode="auto">
+          <a:xfrm>
+            <a:off x="4355976" y="2996952"/>
+            <a:ext cx="142875" cy="142875"/>
+          </a:xfrm>
+          <a:prstGeom prst="rect">
+            <a:avLst/>
+          </a:prstGeom>
+          <a:noFill/>
+          <a:ln w="9525">
+            <a:noFill/>
+            <a:miter lim="800000"/>
+            <a:headEnd/>
+            <a:tailEnd/>
+          </a:ln>
+          <a:effectLst/>
+        </p:spPr>
+      </p:pic>
     </p:spTree>
   </p:cSld>
   <p:clrMapOvr>

--- a/analyse/Wireframes.pptx
+++ b/analyse/Wireframes.pptx
@@ -296,7 +296,7 @@
             <a:fld id="{49211E1D-1FB6-46FD-AF96-A4F932C7C19E}" type="datetimeFigureOut">
               <a:rPr lang="fr-FR" smtClean="0"/>
               <a:pPr/>
-              <a:t>01/10/2018</a:t>
+              <a:t>02/10/2018</a:t>
             </a:fld>
             <a:endParaRPr lang="fr-FR" dirty="0"/>
           </a:p>
@@ -463,7 +463,7 @@
             <a:fld id="{49211E1D-1FB6-46FD-AF96-A4F932C7C19E}" type="datetimeFigureOut">
               <a:rPr lang="fr-FR" smtClean="0"/>
               <a:pPr/>
-              <a:t>01/10/2018</a:t>
+              <a:t>02/10/2018</a:t>
             </a:fld>
             <a:endParaRPr lang="fr-FR" dirty="0"/>
           </a:p>
@@ -640,7 +640,7 @@
             <a:fld id="{49211E1D-1FB6-46FD-AF96-A4F932C7C19E}" type="datetimeFigureOut">
               <a:rPr lang="fr-FR" smtClean="0"/>
               <a:pPr/>
-              <a:t>01/10/2018</a:t>
+              <a:t>02/10/2018</a:t>
             </a:fld>
             <a:endParaRPr lang="fr-FR" dirty="0"/>
           </a:p>
@@ -807,7 +807,7 @@
             <a:fld id="{49211E1D-1FB6-46FD-AF96-A4F932C7C19E}" type="datetimeFigureOut">
               <a:rPr lang="fr-FR" smtClean="0"/>
               <a:pPr/>
-              <a:t>01/10/2018</a:t>
+              <a:t>02/10/2018</a:t>
             </a:fld>
             <a:endParaRPr lang="fr-FR" dirty="0"/>
           </a:p>
@@ -1050,7 +1050,7 @@
             <a:fld id="{49211E1D-1FB6-46FD-AF96-A4F932C7C19E}" type="datetimeFigureOut">
               <a:rPr lang="fr-FR" smtClean="0"/>
               <a:pPr/>
-              <a:t>01/10/2018</a:t>
+              <a:t>02/10/2018</a:t>
             </a:fld>
             <a:endParaRPr lang="fr-FR" dirty="0"/>
           </a:p>
@@ -1335,7 +1335,7 @@
             <a:fld id="{49211E1D-1FB6-46FD-AF96-A4F932C7C19E}" type="datetimeFigureOut">
               <a:rPr lang="fr-FR" smtClean="0"/>
               <a:pPr/>
-              <a:t>01/10/2018</a:t>
+              <a:t>02/10/2018</a:t>
             </a:fld>
             <a:endParaRPr lang="fr-FR" dirty="0"/>
           </a:p>
@@ -1754,7 +1754,7 @@
             <a:fld id="{49211E1D-1FB6-46FD-AF96-A4F932C7C19E}" type="datetimeFigureOut">
               <a:rPr lang="fr-FR" smtClean="0"/>
               <a:pPr/>
-              <a:t>01/10/2018</a:t>
+              <a:t>02/10/2018</a:t>
             </a:fld>
             <a:endParaRPr lang="fr-FR" dirty="0"/>
           </a:p>
@@ -1869,7 +1869,7 @@
             <a:fld id="{49211E1D-1FB6-46FD-AF96-A4F932C7C19E}" type="datetimeFigureOut">
               <a:rPr lang="fr-FR" smtClean="0"/>
               <a:pPr/>
-              <a:t>01/10/2018</a:t>
+              <a:t>02/10/2018</a:t>
             </a:fld>
             <a:endParaRPr lang="fr-FR" dirty="0"/>
           </a:p>
@@ -1961,7 +1961,7 @@
             <a:fld id="{49211E1D-1FB6-46FD-AF96-A4F932C7C19E}" type="datetimeFigureOut">
               <a:rPr lang="fr-FR" smtClean="0"/>
               <a:pPr/>
-              <a:t>01/10/2018</a:t>
+              <a:t>02/10/2018</a:t>
             </a:fld>
             <a:endParaRPr lang="fr-FR" dirty="0"/>
           </a:p>
@@ -2235,7 +2235,7 @@
             <a:fld id="{49211E1D-1FB6-46FD-AF96-A4F932C7C19E}" type="datetimeFigureOut">
               <a:rPr lang="fr-FR" smtClean="0"/>
               <a:pPr/>
-              <a:t>01/10/2018</a:t>
+              <a:t>02/10/2018</a:t>
             </a:fld>
             <a:endParaRPr lang="fr-FR" dirty="0"/>
           </a:p>
@@ -2485,7 +2485,7 @@
             <a:fld id="{49211E1D-1FB6-46FD-AF96-A4F932C7C19E}" type="datetimeFigureOut">
               <a:rPr lang="fr-FR" smtClean="0"/>
               <a:pPr/>
-              <a:t>01/10/2018</a:t>
+              <a:t>02/10/2018</a:t>
             </a:fld>
             <a:endParaRPr lang="fr-FR" dirty="0"/>
           </a:p>
@@ -2695,7 +2695,7 @@
             <a:fld id="{49211E1D-1FB6-46FD-AF96-A4F932C7C19E}" type="datetimeFigureOut">
               <a:rPr lang="fr-FR" smtClean="0"/>
               <a:pPr/>
-              <a:t>01/10/2018</a:t>
+              <a:t>02/10/2018</a:t>
             </a:fld>
             <a:endParaRPr lang="fr-FR" dirty="0"/>
           </a:p>
@@ -8019,7 +8019,7 @@
         <p:spPr>
           <a:xfrm>
             <a:off x="251520" y="2204864"/>
-            <a:ext cx="8712968" cy="461665"/>
+            <a:ext cx="8712968" cy="276999"/>
           </a:xfrm>
           <a:prstGeom prst="rect">
             <a:avLst/>
@@ -8035,30 +8035,19 @@
             <a:pPr algn="ctr"/>
             <a:r>
               <a:rPr lang="fr-FR" sz="1200" dirty="0" smtClean="0"/>
-              <a:t>Un mail de rappel vous sera envoyé 5 jours avant l’échéance de retour d’un ouvrage</a:t>
-            </a:r>
-          </a:p>
-          <a:p>
-            <a:pPr algn="ctr"/>
+              <a:t>Les mails de rappel avant échéance de retour d’un ouvrage sont </a:t>
+            </a:r>
             <a:r>
               <a:rPr lang="fr-FR" sz="1200" dirty="0" smtClean="0"/>
-              <a:t>Les </a:t>
+              <a:t>(dés)activés </a:t>
             </a:r>
             <a:r>
               <a:rPr lang="fr-FR" sz="1200" dirty="0" smtClean="0"/>
-              <a:t>mail de rappel </a:t>
+              <a:t>pour </a:t>
             </a:r>
             <a:r>
               <a:rPr lang="fr-FR" sz="1200" dirty="0" smtClean="0"/>
-              <a:t>avant échéance </a:t>
-            </a:r>
-            <a:r>
-              <a:rPr lang="fr-FR" sz="1200" dirty="0" smtClean="0"/>
-              <a:t>de retour d’un ouvrage </a:t>
-            </a:r>
-            <a:r>
-              <a:rPr lang="fr-FR" sz="1200" dirty="0" smtClean="0"/>
-              <a:t>sont désactivé pour votre profil</a:t>
+              <a:t>votre profil.</a:t>
             </a:r>
             <a:endParaRPr lang="fr-FR" sz="1200" dirty="0" smtClean="0"/>
           </a:p>
@@ -8851,23 +8840,7 @@
           <a:p>
             <a:r>
               <a:rPr lang="fr-FR" sz="1200" dirty="0" smtClean="0"/>
-              <a:t>Recevoir un mail </a:t>
-            </a:r>
-            <a:r>
-              <a:rPr lang="fr-FR" sz="1200" dirty="0" smtClean="0"/>
-              <a:t>de rappel </a:t>
-            </a:r>
-            <a:r>
-              <a:rPr lang="fr-FR" sz="1200" dirty="0" smtClean="0"/>
-              <a:t>5 jours avant l’échéance </a:t>
-            </a:r>
-            <a:r>
-              <a:rPr lang="fr-FR" sz="1200" dirty="0" smtClean="0"/>
-              <a:t>de retour d’un </a:t>
-            </a:r>
-            <a:r>
-              <a:rPr lang="fr-FR" sz="1200" dirty="0" smtClean="0"/>
-              <a:t>ouvrage?</a:t>
+              <a:t>Recevoir un mail de rappel 5 jours avant l’échéance de retour d’un ouvrage?</a:t>
             </a:r>
             <a:endParaRPr lang="fr-FR" sz="1200" dirty="0"/>
           </a:p>

--- a/analyse/Wireframes.pptx
+++ b/analyse/Wireframes.pptx
@@ -296,7 +296,7 @@
             <a:fld id="{49211E1D-1FB6-46FD-AF96-A4F932C7C19E}" type="datetimeFigureOut">
               <a:rPr lang="fr-FR" smtClean="0"/>
               <a:pPr/>
-              <a:t>01/10/2018</a:t>
+              <a:t>02/10/2018</a:t>
             </a:fld>
             <a:endParaRPr lang="fr-FR" dirty="0"/>
           </a:p>
@@ -463,7 +463,7 @@
             <a:fld id="{49211E1D-1FB6-46FD-AF96-A4F932C7C19E}" type="datetimeFigureOut">
               <a:rPr lang="fr-FR" smtClean="0"/>
               <a:pPr/>
-              <a:t>01/10/2018</a:t>
+              <a:t>02/10/2018</a:t>
             </a:fld>
             <a:endParaRPr lang="fr-FR" dirty="0"/>
           </a:p>
@@ -640,7 +640,7 @@
             <a:fld id="{49211E1D-1FB6-46FD-AF96-A4F932C7C19E}" type="datetimeFigureOut">
               <a:rPr lang="fr-FR" smtClean="0"/>
               <a:pPr/>
-              <a:t>01/10/2018</a:t>
+              <a:t>02/10/2018</a:t>
             </a:fld>
             <a:endParaRPr lang="fr-FR" dirty="0"/>
           </a:p>
@@ -807,7 +807,7 @@
             <a:fld id="{49211E1D-1FB6-46FD-AF96-A4F932C7C19E}" type="datetimeFigureOut">
               <a:rPr lang="fr-FR" smtClean="0"/>
               <a:pPr/>
-              <a:t>01/10/2018</a:t>
+              <a:t>02/10/2018</a:t>
             </a:fld>
             <a:endParaRPr lang="fr-FR" dirty="0"/>
           </a:p>
@@ -1050,7 +1050,7 @@
             <a:fld id="{49211E1D-1FB6-46FD-AF96-A4F932C7C19E}" type="datetimeFigureOut">
               <a:rPr lang="fr-FR" smtClean="0"/>
               <a:pPr/>
-              <a:t>01/10/2018</a:t>
+              <a:t>02/10/2018</a:t>
             </a:fld>
             <a:endParaRPr lang="fr-FR" dirty="0"/>
           </a:p>
@@ -1335,7 +1335,7 @@
             <a:fld id="{49211E1D-1FB6-46FD-AF96-A4F932C7C19E}" type="datetimeFigureOut">
               <a:rPr lang="fr-FR" smtClean="0"/>
               <a:pPr/>
-              <a:t>01/10/2018</a:t>
+              <a:t>02/10/2018</a:t>
             </a:fld>
             <a:endParaRPr lang="fr-FR" dirty="0"/>
           </a:p>
@@ -1754,7 +1754,7 @@
             <a:fld id="{49211E1D-1FB6-46FD-AF96-A4F932C7C19E}" type="datetimeFigureOut">
               <a:rPr lang="fr-FR" smtClean="0"/>
               <a:pPr/>
-              <a:t>01/10/2018</a:t>
+              <a:t>02/10/2018</a:t>
             </a:fld>
             <a:endParaRPr lang="fr-FR" dirty="0"/>
           </a:p>
@@ -1869,7 +1869,7 @@
             <a:fld id="{49211E1D-1FB6-46FD-AF96-A4F932C7C19E}" type="datetimeFigureOut">
               <a:rPr lang="fr-FR" smtClean="0"/>
               <a:pPr/>
-              <a:t>01/10/2018</a:t>
+              <a:t>02/10/2018</a:t>
             </a:fld>
             <a:endParaRPr lang="fr-FR" dirty="0"/>
           </a:p>
@@ -1961,7 +1961,7 @@
             <a:fld id="{49211E1D-1FB6-46FD-AF96-A4F932C7C19E}" type="datetimeFigureOut">
               <a:rPr lang="fr-FR" smtClean="0"/>
               <a:pPr/>
-              <a:t>01/10/2018</a:t>
+              <a:t>02/10/2018</a:t>
             </a:fld>
             <a:endParaRPr lang="fr-FR" dirty="0"/>
           </a:p>
@@ -2235,7 +2235,7 @@
             <a:fld id="{49211E1D-1FB6-46FD-AF96-A4F932C7C19E}" type="datetimeFigureOut">
               <a:rPr lang="fr-FR" smtClean="0"/>
               <a:pPr/>
-              <a:t>01/10/2018</a:t>
+              <a:t>02/10/2018</a:t>
             </a:fld>
             <a:endParaRPr lang="fr-FR" dirty="0"/>
           </a:p>
@@ -2485,7 +2485,7 @@
             <a:fld id="{49211E1D-1FB6-46FD-AF96-A4F932C7C19E}" type="datetimeFigureOut">
               <a:rPr lang="fr-FR" smtClean="0"/>
               <a:pPr/>
-              <a:t>01/10/2018</a:t>
+              <a:t>02/10/2018</a:t>
             </a:fld>
             <a:endParaRPr lang="fr-FR" dirty="0"/>
           </a:p>
@@ -2695,7 +2695,7 @@
             <a:fld id="{49211E1D-1FB6-46FD-AF96-A4F932C7C19E}" type="datetimeFigureOut">
               <a:rPr lang="fr-FR" smtClean="0"/>
               <a:pPr/>
-              <a:t>01/10/2018</a:t>
+              <a:t>02/10/2018</a:t>
             </a:fld>
             <a:endParaRPr lang="fr-FR" dirty="0"/>
           </a:p>
@@ -7657,7 +7657,7 @@
         </p:nvSpPr>
         <p:spPr>
           <a:xfrm>
-            <a:off x="3419872" y="2204864"/>
+            <a:off x="3419872" y="2920588"/>
             <a:ext cx="2304256" cy="292388"/>
           </a:xfrm>
           <a:prstGeom prst="rect">
@@ -8007,6 +8007,49 @@
               <a:t>jeremylootens@gmail.com</a:t>
             </a:r>
             <a:endParaRPr lang="fr-FR" sz="2400" dirty="0"/>
+          </a:p>
+        </p:txBody>
+      </p:sp>
+      <p:sp>
+        <p:nvSpPr>
+          <p:cNvPr id="13" name="Textfeld 12"/>
+          <p:cNvSpPr txBox="1"/>
+          <p:nvPr/>
+        </p:nvSpPr>
+        <p:spPr>
+          <a:xfrm>
+            <a:off x="251520" y="2204864"/>
+            <a:ext cx="8712968" cy="276999"/>
+          </a:xfrm>
+          <a:prstGeom prst="rect">
+            <a:avLst/>
+          </a:prstGeom>
+          <a:noFill/>
+        </p:spPr>
+        <p:txBody>
+          <a:bodyPr wrap="square" rtlCol="0">
+            <a:spAutoFit/>
+          </a:bodyPr>
+          <a:lstStyle/>
+          <a:p>
+            <a:pPr algn="ctr"/>
+            <a:r>
+              <a:rPr lang="fr-FR" sz="1200" dirty="0" smtClean="0"/>
+              <a:t>Les mails de rappel avant échéance de retour d’un ouvrage sont </a:t>
+            </a:r>
+            <a:r>
+              <a:rPr lang="fr-FR" sz="1200" dirty="0" smtClean="0"/>
+              <a:t>(dés)activés </a:t>
+            </a:r>
+            <a:r>
+              <a:rPr lang="fr-FR" sz="1200" dirty="0" smtClean="0"/>
+              <a:t>pour </a:t>
+            </a:r>
+            <a:r>
+              <a:rPr lang="fr-FR" sz="1200" dirty="0" smtClean="0"/>
+              <a:t>votre profil.</a:t>
+            </a:r>
+            <a:endParaRPr lang="fr-FR" sz="1200" dirty="0" smtClean="0"/>
           </a:p>
         </p:txBody>
       </p:sp>
@@ -8044,7 +8087,7 @@
         <p:spPr>
           <a:xfrm>
             <a:off x="107504" y="620688"/>
-            <a:ext cx="8928992" cy="2808312"/>
+            <a:ext cx="8928992" cy="3312368"/>
           </a:xfrm>
           <a:prstGeom prst="rect">
             <a:avLst/>
@@ -8373,7 +8416,7 @@
         </p:nvSpPr>
         <p:spPr>
           <a:xfrm>
-            <a:off x="3275856" y="2996952"/>
+            <a:off x="3275856" y="3400124"/>
             <a:ext cx="2592288" cy="292388"/>
           </a:xfrm>
           <a:prstGeom prst="rect">
@@ -8774,6 +8817,68 @@
           </a:p>
         </p:txBody>
       </p:sp>
+      <p:sp>
+        <p:nvSpPr>
+          <p:cNvPr id="20" name="Rechteck 19"/>
+          <p:cNvSpPr/>
+          <p:nvPr/>
+        </p:nvSpPr>
+        <p:spPr>
+          <a:xfrm>
+            <a:off x="4572000" y="2852936"/>
+            <a:ext cx="4320480" cy="461665"/>
+          </a:xfrm>
+          <a:prstGeom prst="rect">
+            <a:avLst/>
+          </a:prstGeom>
+        </p:spPr>
+        <p:txBody>
+          <a:bodyPr wrap="square">
+            <a:spAutoFit/>
+          </a:bodyPr>
+          <a:lstStyle/>
+          <a:p>
+            <a:r>
+              <a:rPr lang="fr-FR" sz="1200" dirty="0" smtClean="0"/>
+              <a:t>Recevoir un mail de rappel 5 jours avant l’échéance de retour d’un ouvrage?</a:t>
+            </a:r>
+            <a:endParaRPr lang="fr-FR" sz="1200" dirty="0"/>
+          </a:p>
+        </p:txBody>
+      </p:sp>
+      <p:pic>
+        <p:nvPicPr>
+          <p:cNvPr id="1026" name="Picture 2"/>
+          <p:cNvPicPr>
+            <a:picLocks noChangeAspect="1" noChangeArrowheads="1"/>
+          </p:cNvPicPr>
+          <p:nvPr/>
+        </p:nvPicPr>
+        <p:blipFill>
+          <a:blip r:embed="rId3" cstate="print"/>
+          <a:srcRect/>
+          <a:stretch>
+            <a:fillRect/>
+          </a:stretch>
+        </p:blipFill>
+        <p:spPr bwMode="auto">
+          <a:xfrm>
+            <a:off x="4355976" y="2996952"/>
+            <a:ext cx="142875" cy="142875"/>
+          </a:xfrm>
+          <a:prstGeom prst="rect">
+            <a:avLst/>
+          </a:prstGeom>
+          <a:noFill/>
+          <a:ln w="9525">
+            <a:noFill/>
+            <a:miter lim="800000"/>
+            <a:headEnd/>
+            <a:tailEnd/>
+          </a:ln>
+          <a:effectLst/>
+        </p:spPr>
+      </p:pic>
     </p:spTree>
   </p:cSld>
   <p:clrMapOvr>

--- a/analyse/Wireframes.pptx
+++ b/analyse/Wireframes.pptx
@@ -296,7 +296,7 @@
             <a:fld id="{49211E1D-1FB6-46FD-AF96-A4F932C7C19E}" type="datetimeFigureOut">
               <a:rPr lang="fr-FR" smtClean="0"/>
               <a:pPr/>
-              <a:t>28/06/2018</a:t>
+              <a:t>02/10/2018</a:t>
             </a:fld>
             <a:endParaRPr lang="fr-FR" dirty="0"/>
           </a:p>
@@ -463,7 +463,7 @@
             <a:fld id="{49211E1D-1FB6-46FD-AF96-A4F932C7C19E}" type="datetimeFigureOut">
               <a:rPr lang="fr-FR" smtClean="0"/>
               <a:pPr/>
-              <a:t>28/06/2018</a:t>
+              <a:t>02/10/2018</a:t>
             </a:fld>
             <a:endParaRPr lang="fr-FR" dirty="0"/>
           </a:p>
@@ -640,7 +640,7 @@
             <a:fld id="{49211E1D-1FB6-46FD-AF96-A4F932C7C19E}" type="datetimeFigureOut">
               <a:rPr lang="fr-FR" smtClean="0"/>
               <a:pPr/>
-              <a:t>28/06/2018</a:t>
+              <a:t>02/10/2018</a:t>
             </a:fld>
             <a:endParaRPr lang="fr-FR" dirty="0"/>
           </a:p>
@@ -807,7 +807,7 @@
             <a:fld id="{49211E1D-1FB6-46FD-AF96-A4F932C7C19E}" type="datetimeFigureOut">
               <a:rPr lang="fr-FR" smtClean="0"/>
               <a:pPr/>
-              <a:t>28/06/2018</a:t>
+              <a:t>02/10/2018</a:t>
             </a:fld>
             <a:endParaRPr lang="fr-FR" dirty="0"/>
           </a:p>
@@ -1050,7 +1050,7 @@
             <a:fld id="{49211E1D-1FB6-46FD-AF96-A4F932C7C19E}" type="datetimeFigureOut">
               <a:rPr lang="fr-FR" smtClean="0"/>
               <a:pPr/>
-              <a:t>28/06/2018</a:t>
+              <a:t>02/10/2018</a:t>
             </a:fld>
             <a:endParaRPr lang="fr-FR" dirty="0"/>
           </a:p>
@@ -1335,7 +1335,7 @@
             <a:fld id="{49211E1D-1FB6-46FD-AF96-A4F932C7C19E}" type="datetimeFigureOut">
               <a:rPr lang="fr-FR" smtClean="0"/>
               <a:pPr/>
-              <a:t>28/06/2018</a:t>
+              <a:t>02/10/2018</a:t>
             </a:fld>
             <a:endParaRPr lang="fr-FR" dirty="0"/>
           </a:p>
@@ -1754,7 +1754,7 @@
             <a:fld id="{49211E1D-1FB6-46FD-AF96-A4F932C7C19E}" type="datetimeFigureOut">
               <a:rPr lang="fr-FR" smtClean="0"/>
               <a:pPr/>
-              <a:t>28/06/2018</a:t>
+              <a:t>02/10/2018</a:t>
             </a:fld>
             <a:endParaRPr lang="fr-FR" dirty="0"/>
           </a:p>
@@ -1869,7 +1869,7 @@
             <a:fld id="{49211E1D-1FB6-46FD-AF96-A4F932C7C19E}" type="datetimeFigureOut">
               <a:rPr lang="fr-FR" smtClean="0"/>
               <a:pPr/>
-              <a:t>28/06/2018</a:t>
+              <a:t>02/10/2018</a:t>
             </a:fld>
             <a:endParaRPr lang="fr-FR" dirty="0"/>
           </a:p>
@@ -1961,7 +1961,7 @@
             <a:fld id="{49211E1D-1FB6-46FD-AF96-A4F932C7C19E}" type="datetimeFigureOut">
               <a:rPr lang="fr-FR" smtClean="0"/>
               <a:pPr/>
-              <a:t>28/06/2018</a:t>
+              <a:t>02/10/2018</a:t>
             </a:fld>
             <a:endParaRPr lang="fr-FR" dirty="0"/>
           </a:p>
@@ -2235,7 +2235,7 @@
             <a:fld id="{49211E1D-1FB6-46FD-AF96-A4F932C7C19E}" type="datetimeFigureOut">
               <a:rPr lang="fr-FR" smtClean="0"/>
               <a:pPr/>
-              <a:t>28/06/2018</a:t>
+              <a:t>02/10/2018</a:t>
             </a:fld>
             <a:endParaRPr lang="fr-FR" dirty="0"/>
           </a:p>
@@ -2485,7 +2485,7 @@
             <a:fld id="{49211E1D-1FB6-46FD-AF96-A4F932C7C19E}" type="datetimeFigureOut">
               <a:rPr lang="fr-FR" smtClean="0"/>
               <a:pPr/>
-              <a:t>28/06/2018</a:t>
+              <a:t>02/10/2018</a:t>
             </a:fld>
             <a:endParaRPr lang="fr-FR" dirty="0"/>
           </a:p>
@@ -2695,7 +2695,7 @@
             <a:fld id="{49211E1D-1FB6-46FD-AF96-A4F932C7C19E}" type="datetimeFigureOut">
               <a:rPr lang="fr-FR" smtClean="0"/>
               <a:pPr/>
-              <a:t>28/06/2018</a:t>
+              <a:t>02/10/2018</a:t>
             </a:fld>
             <a:endParaRPr lang="fr-FR" dirty="0"/>
           </a:p>
@@ -6111,15 +6111,61 @@
             </a:r>
             <a:r>
               <a:rPr lang="fr-FR" i="1" dirty="0" smtClean="0"/>
-              <a:t> : 	Biblio 1 : X (nb dispo)</a:t>
-            </a:r>
+              <a:t> :   Biblio 1 : 0   </a:t>
+            </a:r>
+            <a:r>
+              <a:rPr lang="fr-FR" sz="1100" i="1" dirty="0" smtClean="0"/>
+              <a:t>Prochaine date de retour : XX/XX/XXXX   XX Personnes sur liste d’attente</a:t>
+            </a:r>
+            <a:endParaRPr lang="fr-FR" i="1" dirty="0" smtClean="0"/>
           </a:p>
           <a:p>
             <a:r>
               <a:rPr lang="fr-FR" i="1" dirty="0" smtClean="0"/>
-              <a:t>		Biblio 2 : X (nb dispo)</a:t>
+              <a:t>	          Biblio 2 : X</a:t>
             </a:r>
             <a:endParaRPr lang="fr-FR" dirty="0"/>
+          </a:p>
+        </p:txBody>
+      </p:sp>
+      <p:sp>
+        <p:nvSpPr>
+          <p:cNvPr id="37" name="Textfeld 36"/>
+          <p:cNvSpPr txBox="1"/>
+          <p:nvPr/>
+        </p:nvSpPr>
+        <p:spPr>
+          <a:xfrm>
+            <a:off x="7380312" y="4797152"/>
+            <a:ext cx="1296144" cy="292388"/>
+          </a:xfrm>
+          <a:prstGeom prst="rect">
+            <a:avLst/>
+          </a:prstGeom>
+          <a:solidFill>
+            <a:schemeClr val="tx2">
+              <a:lumMod val="60000"/>
+              <a:lumOff val="40000"/>
+            </a:schemeClr>
+          </a:solidFill>
+          <a:ln w="19050">
+            <a:solidFill>
+              <a:schemeClr val="tx1"/>
+            </a:solidFill>
+          </a:ln>
+        </p:spPr>
+        <p:txBody>
+          <a:bodyPr wrap="square" rtlCol="0">
+            <a:spAutoFit/>
+          </a:bodyPr>
+          <a:lstStyle/>
+          <a:p>
+            <a:pPr algn="ctr"/>
+            <a:r>
+              <a:rPr lang="fr-FR" sz="1300" b="1" dirty="0" smtClean="0"/>
+              <a:t>Réserver</a:t>
+            </a:r>
+            <a:endParaRPr lang="fr-FR" sz="1300" b="1" dirty="0"/>
           </a:p>
         </p:txBody>
       </p:sp>
@@ -6156,8 +6202,8 @@
         </p:nvSpPr>
         <p:spPr>
           <a:xfrm>
-            <a:off x="107504" y="620688"/>
-            <a:ext cx="8928992" cy="2016224"/>
+            <a:off x="107504" y="908720"/>
+            <a:ext cx="8928992" cy="1728192"/>
           </a:xfrm>
           <a:prstGeom prst="rect">
             <a:avLst/>
@@ -6429,12 +6475,8 @@
           <a:p>
             <a:pPr algn="ctr"/>
             <a:r>
-              <a:rPr lang="fr-FR" sz="1300" b="1" dirty="0"/>
-              <a:t>P</a:t>
-            </a:r>
-            <a:r>
               <a:rPr lang="fr-FR" sz="1300" b="1" dirty="0" smtClean="0"/>
-              <a:t>rêts </a:t>
+              <a:t>Prêts </a:t>
             </a:r>
             <a:r>
               <a:rPr lang="fr-FR" sz="1300" b="1" dirty="0"/>
@@ -6492,7 +6534,7 @@
         </p:nvSpPr>
         <p:spPr>
           <a:xfrm>
-            <a:off x="1187624" y="692696"/>
+            <a:off x="1187624" y="980728"/>
             <a:ext cx="7704856" cy="923330"/>
           </a:xfrm>
           <a:prstGeom prst="rect">
@@ -6561,7 +6603,7 @@
         </p:nvGrpSpPr>
         <p:grpSpPr>
           <a:xfrm>
-            <a:off x="323528" y="692696"/>
+            <a:off x="323528" y="980728"/>
             <a:ext cx="720080" cy="1080120"/>
             <a:chOff x="251520" y="2276872"/>
             <a:chExt cx="1296144" cy="1512168"/>
@@ -6779,8 +6821,8 @@
         </p:nvSpPr>
         <p:spPr>
           <a:xfrm>
-            <a:off x="107504" y="2780928"/>
-            <a:ext cx="8928992" cy="2016224"/>
+            <a:off x="107504" y="2708920"/>
+            <a:ext cx="8928992" cy="1728192"/>
           </a:xfrm>
           <a:prstGeom prst="rect">
             <a:avLst/>
@@ -6829,7 +6871,7 @@
         </p:nvSpPr>
         <p:spPr>
           <a:xfrm>
-            <a:off x="1187624" y="2852936"/>
+            <a:off x="1187624" y="2780928"/>
             <a:ext cx="7704856" cy="923330"/>
           </a:xfrm>
           <a:prstGeom prst="rect">
@@ -6898,7 +6940,7 @@
         </p:nvGrpSpPr>
         <p:grpSpPr>
           <a:xfrm>
-            <a:off x="323528" y="2852936"/>
+            <a:off x="323528" y="2780928"/>
             <a:ext cx="720080" cy="1080120"/>
             <a:chOff x="251520" y="2276872"/>
             <a:chExt cx="1296144" cy="1512168"/>
@@ -7031,7 +7073,7 @@
         </p:nvSpPr>
         <p:spPr>
           <a:xfrm>
-            <a:off x="5868144" y="4221088"/>
+            <a:off x="5868144" y="3861048"/>
             <a:ext cx="2952328" cy="492443"/>
           </a:xfrm>
           <a:prstGeom prst="rect">
@@ -7071,7 +7113,7 @@
         </p:nvSpPr>
         <p:spPr>
           <a:xfrm>
-            <a:off x="251520" y="4293096"/>
+            <a:off x="251520" y="3933056"/>
             <a:ext cx="6264696" cy="369332"/>
           </a:xfrm>
           <a:prstGeom prst="rect">
@@ -7089,6 +7131,401 @@
               <a:t>Début du prêt : XX/XX/XXXX - Fin du prêt : XX/XX/XXXX</a:t>
             </a:r>
             <a:endParaRPr lang="fr-FR" b="1" dirty="0"/>
+          </a:p>
+        </p:txBody>
+      </p:sp>
+      <p:sp>
+        <p:nvSpPr>
+          <p:cNvPr id="36" name="Textfeld 35"/>
+          <p:cNvSpPr txBox="1"/>
+          <p:nvPr/>
+        </p:nvSpPr>
+        <p:spPr>
+          <a:xfrm>
+            <a:off x="107504" y="548680"/>
+            <a:ext cx="1656184" cy="369332"/>
+          </a:xfrm>
+          <a:prstGeom prst="rect">
+            <a:avLst/>
+          </a:prstGeom>
+          <a:noFill/>
+        </p:spPr>
+        <p:txBody>
+          <a:bodyPr wrap="square" rtlCol="0">
+            <a:spAutoFit/>
+          </a:bodyPr>
+          <a:lstStyle/>
+          <a:p>
+            <a:r>
+              <a:rPr lang="fr-FR" b="1" dirty="0" smtClean="0"/>
+              <a:t>Prêt en cours :</a:t>
+            </a:r>
+            <a:endParaRPr lang="fr-FR" b="1" dirty="0"/>
+          </a:p>
+        </p:txBody>
+      </p:sp>
+      <p:sp>
+        <p:nvSpPr>
+          <p:cNvPr id="37" name="Textfeld 36"/>
+          <p:cNvSpPr txBox="1"/>
+          <p:nvPr/>
+        </p:nvSpPr>
+        <p:spPr>
+          <a:xfrm>
+            <a:off x="107504" y="4437112"/>
+            <a:ext cx="2376264" cy="369332"/>
+          </a:xfrm>
+          <a:prstGeom prst="rect">
+            <a:avLst/>
+          </a:prstGeom>
+          <a:noFill/>
+        </p:spPr>
+        <p:txBody>
+          <a:bodyPr wrap="square" rtlCol="0">
+            <a:spAutoFit/>
+          </a:bodyPr>
+          <a:lstStyle/>
+          <a:p>
+            <a:r>
+              <a:rPr lang="fr-FR" b="1" dirty="0" smtClean="0"/>
+              <a:t>Sur liste d’attente :</a:t>
+            </a:r>
+            <a:endParaRPr lang="fr-FR" b="1" dirty="0"/>
+          </a:p>
+        </p:txBody>
+      </p:sp>
+      <p:sp>
+        <p:nvSpPr>
+          <p:cNvPr id="38" name="Rechteck 37"/>
+          <p:cNvSpPr/>
+          <p:nvPr/>
+        </p:nvSpPr>
+        <p:spPr>
+          <a:xfrm>
+            <a:off x="107504" y="4797152"/>
+            <a:ext cx="8928992" cy="2016224"/>
+          </a:xfrm>
+          <a:prstGeom prst="rect">
+            <a:avLst/>
+          </a:prstGeom>
+          <a:solidFill>
+            <a:schemeClr val="bg1">
+              <a:lumMod val="75000"/>
+            </a:schemeClr>
+          </a:solidFill>
+          <a:ln w="19050">
+            <a:solidFill>
+              <a:schemeClr val="tx1"/>
+            </a:solidFill>
+          </a:ln>
+        </p:spPr>
+        <p:style>
+          <a:lnRef idx="2">
+            <a:schemeClr val="accent1">
+              <a:shade val="50000"/>
+            </a:schemeClr>
+          </a:lnRef>
+          <a:fillRef idx="1">
+            <a:schemeClr val="accent1"/>
+          </a:fillRef>
+          <a:effectRef idx="0">
+            <a:schemeClr val="accent1"/>
+          </a:effectRef>
+          <a:fontRef idx="minor">
+            <a:schemeClr val="lt1"/>
+          </a:fontRef>
+        </p:style>
+        <p:txBody>
+          <a:bodyPr rtlCol="0" anchor="ctr"/>
+          <a:lstStyle/>
+          <a:p>
+            <a:pPr algn="ctr"/>
+            <a:endParaRPr lang="fr-FR" dirty="0"/>
+          </a:p>
+        </p:txBody>
+      </p:sp>
+      <p:sp>
+        <p:nvSpPr>
+          <p:cNvPr id="39" name="Textfeld 38"/>
+          <p:cNvSpPr txBox="1"/>
+          <p:nvPr/>
+        </p:nvSpPr>
+        <p:spPr>
+          <a:xfrm>
+            <a:off x="1187624" y="4869160"/>
+            <a:ext cx="7704856" cy="923330"/>
+          </a:xfrm>
+          <a:prstGeom prst="rect">
+            <a:avLst/>
+          </a:prstGeom>
+          <a:noFill/>
+        </p:spPr>
+        <p:txBody>
+          <a:bodyPr wrap="square" rtlCol="0">
+            <a:spAutoFit/>
+          </a:bodyPr>
+          <a:lstStyle/>
+          <a:p>
+            <a:r>
+              <a:rPr lang="fr-FR" i="1" dirty="0" smtClean="0"/>
+              <a:t>Titre				</a:t>
+            </a:r>
+            <a:r>
+              <a:rPr lang="fr-FR" dirty="0" smtClean="0"/>
+              <a:t>par  </a:t>
+            </a:r>
+            <a:r>
+              <a:rPr lang="fr-FR" i="1" dirty="0" smtClean="0"/>
+              <a:t>Auteur</a:t>
+            </a:r>
+          </a:p>
+          <a:p>
+            <a:r>
+              <a:rPr lang="fr-FR" dirty="0" smtClean="0"/>
+              <a:t>Genre : </a:t>
+            </a:r>
+            <a:r>
+              <a:rPr lang="fr-FR" i="1" dirty="0" smtClean="0"/>
+              <a:t>Xxxx			</a:t>
+            </a:r>
+            <a:r>
+              <a:rPr lang="fr-FR" dirty="0" smtClean="0"/>
+              <a:t>ISBN : </a:t>
+            </a:r>
+            <a:r>
+              <a:rPr lang="fr-FR" i="1" dirty="0" smtClean="0"/>
+              <a:t>XXX-X-XXXX-XXXX-X</a:t>
+            </a:r>
+          </a:p>
+          <a:p>
+            <a:r>
+              <a:rPr lang="fr-FR" dirty="0" smtClean="0"/>
+              <a:t>Date de publication : </a:t>
+            </a:r>
+            <a:r>
+              <a:rPr lang="fr-FR" i="1" dirty="0" smtClean="0"/>
+              <a:t>XX/XX/XXXX	</a:t>
+            </a:r>
+            <a:r>
+              <a:rPr lang="fr-FR" dirty="0" smtClean="0"/>
+              <a:t>Editeur : Xxxxx</a:t>
+            </a:r>
+          </a:p>
+        </p:txBody>
+      </p:sp>
+      <p:grpSp>
+        <p:nvGrpSpPr>
+          <p:cNvPr id="40" name="Gruppieren 39"/>
+          <p:cNvGrpSpPr/>
+          <p:nvPr/>
+        </p:nvGrpSpPr>
+        <p:grpSpPr>
+          <a:xfrm>
+            <a:off x="323528" y="4869160"/>
+            <a:ext cx="720080" cy="1080120"/>
+            <a:chOff x="251520" y="2276872"/>
+            <a:chExt cx="1296144" cy="1512168"/>
+          </a:xfrm>
+        </p:grpSpPr>
+        <p:sp>
+          <p:nvSpPr>
+            <p:cNvPr id="41" name="Rechteck 40"/>
+            <p:cNvSpPr/>
+            <p:nvPr/>
+          </p:nvSpPr>
+          <p:spPr>
+            <a:xfrm>
+              <a:off x="251520" y="2276872"/>
+              <a:ext cx="1296144" cy="1512168"/>
+            </a:xfrm>
+            <a:prstGeom prst="rect">
+              <a:avLst/>
+            </a:prstGeom>
+            <a:solidFill>
+              <a:schemeClr val="bg1"/>
+            </a:solidFill>
+            <a:ln w="19050">
+              <a:solidFill>
+                <a:schemeClr val="tx1"/>
+              </a:solidFill>
+            </a:ln>
+          </p:spPr>
+          <p:style>
+            <a:lnRef idx="2">
+              <a:schemeClr val="accent1">
+                <a:shade val="50000"/>
+              </a:schemeClr>
+            </a:lnRef>
+            <a:fillRef idx="1">
+              <a:schemeClr val="accent1"/>
+            </a:fillRef>
+            <a:effectRef idx="0">
+              <a:schemeClr val="accent1"/>
+            </a:effectRef>
+            <a:fontRef idx="minor">
+              <a:schemeClr val="lt1"/>
+            </a:fontRef>
+          </p:style>
+          <p:txBody>
+            <a:bodyPr rtlCol="0" anchor="ctr"/>
+            <a:lstStyle/>
+            <a:p>
+              <a:pPr algn="ctr"/>
+              <a:endParaRPr lang="fr-FR" dirty="0"/>
+            </a:p>
+          </p:txBody>
+        </p:sp>
+        <p:cxnSp>
+          <p:nvCxnSpPr>
+            <p:cNvPr id="42" name="Gerade Verbindung 41"/>
+            <p:cNvCxnSpPr/>
+            <p:nvPr/>
+          </p:nvCxnSpPr>
+          <p:spPr>
+            <a:xfrm>
+              <a:off x="251520" y="2276872"/>
+              <a:ext cx="1296144" cy="1512168"/>
+            </a:xfrm>
+            <a:prstGeom prst="line">
+              <a:avLst/>
+            </a:prstGeom>
+            <a:ln w="19050">
+              <a:solidFill>
+                <a:schemeClr val="tx1"/>
+              </a:solidFill>
+            </a:ln>
+          </p:spPr>
+          <p:style>
+            <a:lnRef idx="1">
+              <a:schemeClr val="accent1"/>
+            </a:lnRef>
+            <a:fillRef idx="0">
+              <a:schemeClr val="accent1"/>
+            </a:fillRef>
+            <a:effectRef idx="0">
+              <a:schemeClr val="accent1"/>
+            </a:effectRef>
+            <a:fontRef idx="minor">
+              <a:schemeClr val="tx1"/>
+            </a:fontRef>
+          </p:style>
+        </p:cxnSp>
+        <p:cxnSp>
+          <p:nvCxnSpPr>
+            <p:cNvPr id="43" name="Gerade Verbindung 42"/>
+            <p:cNvCxnSpPr/>
+            <p:nvPr/>
+          </p:nvCxnSpPr>
+          <p:spPr>
+            <a:xfrm flipH="1">
+              <a:off x="251520" y="2276872"/>
+              <a:ext cx="1296144" cy="1512168"/>
+            </a:xfrm>
+            <a:prstGeom prst="line">
+              <a:avLst/>
+            </a:prstGeom>
+            <a:ln w="19050">
+              <a:solidFill>
+                <a:schemeClr val="tx1"/>
+              </a:solidFill>
+            </a:ln>
+          </p:spPr>
+          <p:style>
+            <a:lnRef idx="1">
+              <a:schemeClr val="accent1"/>
+            </a:lnRef>
+            <a:fillRef idx="0">
+              <a:schemeClr val="accent1"/>
+            </a:fillRef>
+            <a:effectRef idx="0">
+              <a:schemeClr val="accent1"/>
+            </a:effectRef>
+            <a:fontRef idx="minor">
+              <a:schemeClr val="tx1"/>
+            </a:fontRef>
+          </p:style>
+        </p:cxnSp>
+      </p:grpSp>
+      <p:sp>
+        <p:nvSpPr>
+          <p:cNvPr id="45" name="Rechteck 44"/>
+          <p:cNvSpPr/>
+          <p:nvPr/>
+        </p:nvSpPr>
+        <p:spPr>
+          <a:xfrm>
+            <a:off x="251520" y="6021288"/>
+            <a:ext cx="6264696" cy="615553"/>
+          </a:xfrm>
+          <a:prstGeom prst="rect">
+            <a:avLst/>
+          </a:prstGeom>
+        </p:spPr>
+        <p:txBody>
+          <a:bodyPr wrap="square">
+            <a:spAutoFit/>
+          </a:bodyPr>
+          <a:lstStyle/>
+          <a:p>
+            <a:r>
+              <a:rPr lang="fr-FR" b="1" dirty="0" smtClean="0"/>
+              <a:t>Date de la réservation : XX/XX/XXXX</a:t>
+            </a:r>
+          </a:p>
+          <a:p>
+            <a:r>
+              <a:rPr lang="fr-FR" sz="1600" b="1" dirty="0" smtClean="0"/>
+              <a:t>Prochaine date de retour : XX/XX/XXXX – Position sur liste d’attente XX.</a:t>
+            </a:r>
+            <a:endParaRPr lang="fr-FR" sz="1600" b="1" dirty="0"/>
+          </a:p>
+        </p:txBody>
+      </p:sp>
+      <p:sp>
+        <p:nvSpPr>
+          <p:cNvPr id="46" name="Textfeld 45"/>
+          <p:cNvSpPr txBox="1"/>
+          <p:nvPr/>
+        </p:nvSpPr>
+        <p:spPr>
+          <a:xfrm>
+            <a:off x="6732240" y="6237312"/>
+            <a:ext cx="2088232" cy="477054"/>
+          </a:xfrm>
+          <a:prstGeom prst="rect">
+            <a:avLst/>
+          </a:prstGeom>
+          <a:solidFill>
+            <a:schemeClr val="tx2">
+              <a:lumMod val="60000"/>
+              <a:lumOff val="40000"/>
+            </a:schemeClr>
+          </a:solidFill>
+          <a:ln w="19050">
+            <a:solidFill>
+              <a:schemeClr val="tx1"/>
+            </a:solidFill>
+          </a:ln>
+        </p:spPr>
+        <p:txBody>
+          <a:bodyPr wrap="square" rtlCol="0">
+            <a:spAutoFit/>
+          </a:bodyPr>
+          <a:lstStyle/>
+          <a:p>
+            <a:pPr algn="ctr"/>
+            <a:endParaRPr lang="fr-FR" sz="600" b="1" dirty="0" smtClean="0"/>
+          </a:p>
+          <a:p>
+            <a:pPr algn="ctr"/>
+            <a:r>
+              <a:rPr lang="fr-FR" sz="1300" b="1" dirty="0" smtClean="0"/>
+              <a:t>Annuler la réservation</a:t>
+            </a:r>
+          </a:p>
+          <a:p>
+            <a:pPr algn="ctr"/>
+            <a:endParaRPr lang="fr-FR" sz="600" b="1" i="1" dirty="0"/>
           </a:p>
         </p:txBody>
       </p:sp>
@@ -7220,7 +7657,7 @@
         </p:nvSpPr>
         <p:spPr>
           <a:xfrm>
-            <a:off x="3419872" y="2204864"/>
+            <a:off x="3419872" y="2920588"/>
             <a:ext cx="2304256" cy="292388"/>
           </a:xfrm>
           <a:prstGeom prst="rect">
@@ -7570,6 +8007,49 @@
               <a:t>jeremylootens@gmail.com</a:t>
             </a:r>
             <a:endParaRPr lang="fr-FR" sz="2400" dirty="0"/>
+          </a:p>
+        </p:txBody>
+      </p:sp>
+      <p:sp>
+        <p:nvSpPr>
+          <p:cNvPr id="13" name="Textfeld 12"/>
+          <p:cNvSpPr txBox="1"/>
+          <p:nvPr/>
+        </p:nvSpPr>
+        <p:spPr>
+          <a:xfrm>
+            <a:off x="251520" y="2204864"/>
+            <a:ext cx="8712968" cy="276999"/>
+          </a:xfrm>
+          <a:prstGeom prst="rect">
+            <a:avLst/>
+          </a:prstGeom>
+          <a:noFill/>
+        </p:spPr>
+        <p:txBody>
+          <a:bodyPr wrap="square" rtlCol="0">
+            <a:spAutoFit/>
+          </a:bodyPr>
+          <a:lstStyle/>
+          <a:p>
+            <a:pPr algn="ctr"/>
+            <a:r>
+              <a:rPr lang="fr-FR" sz="1200" dirty="0" smtClean="0"/>
+              <a:t>Les mails de rappel avant échéance de retour d’un ouvrage sont </a:t>
+            </a:r>
+            <a:r>
+              <a:rPr lang="fr-FR" sz="1200" dirty="0" smtClean="0"/>
+              <a:t>(dés)activés </a:t>
+            </a:r>
+            <a:r>
+              <a:rPr lang="fr-FR" sz="1200" dirty="0" smtClean="0"/>
+              <a:t>pour </a:t>
+            </a:r>
+            <a:r>
+              <a:rPr lang="fr-FR" sz="1200" dirty="0" smtClean="0"/>
+              <a:t>votre profil.</a:t>
+            </a:r>
+            <a:endParaRPr lang="fr-FR" sz="1200" dirty="0" smtClean="0"/>
           </a:p>
         </p:txBody>
       </p:sp>
@@ -7607,7 +8087,7 @@
         <p:spPr>
           <a:xfrm>
             <a:off x="107504" y="620688"/>
-            <a:ext cx="8928992" cy="2808312"/>
+            <a:ext cx="8928992" cy="3312368"/>
           </a:xfrm>
           <a:prstGeom prst="rect">
             <a:avLst/>
@@ -7936,7 +8416,7 @@
         </p:nvSpPr>
         <p:spPr>
           <a:xfrm>
-            <a:off x="3275856" y="2996952"/>
+            <a:off x="3275856" y="3400124"/>
             <a:ext cx="2592288" cy="292388"/>
           </a:xfrm>
           <a:prstGeom prst="rect">
@@ -8337,6 +8817,68 @@
           </a:p>
         </p:txBody>
       </p:sp>
+      <p:sp>
+        <p:nvSpPr>
+          <p:cNvPr id="20" name="Rechteck 19"/>
+          <p:cNvSpPr/>
+          <p:nvPr/>
+        </p:nvSpPr>
+        <p:spPr>
+          <a:xfrm>
+            <a:off x="4572000" y="2852936"/>
+            <a:ext cx="4320480" cy="461665"/>
+          </a:xfrm>
+          <a:prstGeom prst="rect">
+            <a:avLst/>
+          </a:prstGeom>
+        </p:spPr>
+        <p:txBody>
+          <a:bodyPr wrap="square">
+            <a:spAutoFit/>
+          </a:bodyPr>
+          <a:lstStyle/>
+          <a:p>
+            <a:r>
+              <a:rPr lang="fr-FR" sz="1200" dirty="0" smtClean="0"/>
+              <a:t>Recevoir un mail de rappel 5 jours avant l’échéance de retour d’un ouvrage?</a:t>
+            </a:r>
+            <a:endParaRPr lang="fr-FR" sz="1200" dirty="0"/>
+          </a:p>
+        </p:txBody>
+      </p:sp>
+      <p:pic>
+        <p:nvPicPr>
+          <p:cNvPr id="1026" name="Picture 2"/>
+          <p:cNvPicPr>
+            <a:picLocks noChangeAspect="1" noChangeArrowheads="1"/>
+          </p:cNvPicPr>
+          <p:nvPr/>
+        </p:nvPicPr>
+        <p:blipFill>
+          <a:blip r:embed="rId3" cstate="print"/>
+          <a:srcRect/>
+          <a:stretch>
+            <a:fillRect/>
+          </a:stretch>
+        </p:blipFill>
+        <p:spPr bwMode="auto">
+          <a:xfrm>
+            <a:off x="4355976" y="2996952"/>
+            <a:ext cx="142875" cy="142875"/>
+          </a:xfrm>
+          <a:prstGeom prst="rect">
+            <a:avLst/>
+          </a:prstGeom>
+          <a:noFill/>
+          <a:ln w="9525">
+            <a:noFill/>
+            <a:miter lim="800000"/>
+            <a:headEnd/>
+            <a:tailEnd/>
+          </a:ln>
+          <a:effectLst/>
+        </p:spPr>
+      </p:pic>
     </p:spTree>
   </p:cSld>
   <p:clrMapOvr>
